--- a/Phase1 .pptx
+++ b/Phase1 .pptx
@@ -12,8 +12,10 @@
     <p:sldId id="274" r:id="rId6"/>
     <p:sldId id="266" r:id="rId7"/>
     <p:sldId id="267" r:id="rId8"/>
-    <p:sldId id="268" r:id="rId9"/>
-    <p:sldId id="275" r:id="rId10"/>
+    <p:sldId id="277" r:id="rId9"/>
+    <p:sldId id="276" r:id="rId10"/>
+    <p:sldId id="268" r:id="rId11"/>
+    <p:sldId id="275" r:id="rId12"/>
   </p:sldIdLst>
   <p:sldSz cx="12192000" cy="6858000"/>
   <p:notesSz cx="6858000" cy="9144000"/>
@@ -120,6 +122,243 @@
 </p:presentation>
 </file>
 
+<file path=ppt/changesInfos/changesInfo1.xml><?xml version="1.0" encoding="utf-8"?>
+<pc:chgInfo xmlns:a="http://schemas.openxmlformats.org/drawingml/2006/main" xmlns:r="http://schemas.openxmlformats.org/officeDocument/2006/relationships" xmlns:ac="http://schemas.microsoft.com/office/drawing/2013/main/command" xmlns:pc="http://schemas.microsoft.com/office/powerpoint/2013/main/command">
+  <pc:docChgLst>
+    <pc:chgData name="Pooja Laveti" userId="a348b4b3ee6c70d5" providerId="LiveId" clId="{4599A1B0-895D-41C7-AEEF-875889BFA5F2}"/>
+    <pc:docChg chg="undo redo custSel addSld modSld">
+      <pc:chgData name="Pooja Laveti" userId="a348b4b3ee6c70d5" providerId="LiveId" clId="{4599A1B0-895D-41C7-AEEF-875889BFA5F2}" dt="2023-03-13T22:01:12.750" v="421" actId="478"/>
+      <pc:docMkLst>
+        <pc:docMk/>
+      </pc:docMkLst>
+      <pc:sldChg chg="addSp modSp">
+        <pc:chgData name="Pooja Laveti" userId="a348b4b3ee6c70d5" providerId="LiveId" clId="{4599A1B0-895D-41C7-AEEF-875889BFA5F2}" dt="2023-03-06T04:34:13.097" v="12" actId="1076"/>
+        <pc:sldMkLst>
+          <pc:docMk/>
+          <pc:sldMk cId="1152749600" sldId="265"/>
+        </pc:sldMkLst>
+        <pc:picChg chg="add mod">
+          <ac:chgData name="Pooja Laveti" userId="a348b4b3ee6c70d5" providerId="LiveId" clId="{4599A1B0-895D-41C7-AEEF-875889BFA5F2}" dt="2023-03-06T04:34:13.097" v="12" actId="1076"/>
+          <ac:picMkLst>
+            <pc:docMk/>
+            <pc:sldMk cId="1152749600" sldId="265"/>
+            <ac:picMk id="1026" creationId="{7A6D2D69-E202-3E39-7927-5ECDA894156F}"/>
+          </ac:picMkLst>
+        </pc:picChg>
+      </pc:sldChg>
+      <pc:sldChg chg="modSp mod">
+        <pc:chgData name="Pooja Laveti" userId="a348b4b3ee6c70d5" providerId="LiveId" clId="{4599A1B0-895D-41C7-AEEF-875889BFA5F2}" dt="2023-03-13T21:57:08.493" v="393" actId="20577"/>
+        <pc:sldMkLst>
+          <pc:docMk/>
+          <pc:sldMk cId="2354503677" sldId="266"/>
+        </pc:sldMkLst>
+        <pc:spChg chg="mod">
+          <ac:chgData name="Pooja Laveti" userId="a348b4b3ee6c70d5" providerId="LiveId" clId="{4599A1B0-895D-41C7-AEEF-875889BFA5F2}" dt="2023-03-13T21:57:08.493" v="393" actId="20577"/>
+          <ac:spMkLst>
+            <pc:docMk/>
+            <pc:sldMk cId="2354503677" sldId="266"/>
+            <ac:spMk id="8" creationId="{EA19B9A7-CCC4-9448-4E19-B79CD222DFA6}"/>
+          </ac:spMkLst>
+        </pc:spChg>
+      </pc:sldChg>
+      <pc:sldChg chg="modSp mod">
+        <pc:chgData name="Pooja Laveti" userId="a348b4b3ee6c70d5" providerId="LiveId" clId="{4599A1B0-895D-41C7-AEEF-875889BFA5F2}" dt="2023-03-06T06:02:42.911" v="249" actId="20577"/>
+        <pc:sldMkLst>
+          <pc:docMk/>
+          <pc:sldMk cId="1904084981" sldId="267"/>
+        </pc:sldMkLst>
+        <pc:spChg chg="mod">
+          <ac:chgData name="Pooja Laveti" userId="a348b4b3ee6c70d5" providerId="LiveId" clId="{4599A1B0-895D-41C7-AEEF-875889BFA5F2}" dt="2023-03-06T06:02:42.911" v="249" actId="20577"/>
+          <ac:spMkLst>
+            <pc:docMk/>
+            <pc:sldMk cId="1904084981" sldId="267"/>
+            <ac:spMk id="8" creationId="{1E53BFF1-DF09-FDDF-C40D-F0C260DDD32B}"/>
+          </ac:spMkLst>
+        </pc:spChg>
+      </pc:sldChg>
+      <pc:sldChg chg="modSp mod">
+        <pc:chgData name="Pooja Laveti" userId="a348b4b3ee6c70d5" providerId="LiveId" clId="{4599A1B0-895D-41C7-AEEF-875889BFA5F2}" dt="2023-03-06T06:09:46.588" v="288" actId="207"/>
+        <pc:sldMkLst>
+          <pc:docMk/>
+          <pc:sldMk cId="2829910102" sldId="268"/>
+        </pc:sldMkLst>
+        <pc:spChg chg="mod">
+          <ac:chgData name="Pooja Laveti" userId="a348b4b3ee6c70d5" providerId="LiveId" clId="{4599A1B0-895D-41C7-AEEF-875889BFA5F2}" dt="2023-03-06T06:09:46.588" v="288" actId="207"/>
+          <ac:spMkLst>
+            <pc:docMk/>
+            <pc:sldMk cId="2829910102" sldId="268"/>
+            <ac:spMk id="2" creationId="{7F653EBA-6762-153F-9C91-0437ABCA139D}"/>
+          </ac:spMkLst>
+        </pc:spChg>
+      </pc:sldChg>
+      <pc:sldChg chg="addSp delSp modSp mod">
+        <pc:chgData name="Pooja Laveti" userId="a348b4b3ee6c70d5" providerId="LiveId" clId="{4599A1B0-895D-41C7-AEEF-875889BFA5F2}" dt="2023-03-13T21:55:03.568" v="388" actId="20577"/>
+        <pc:sldMkLst>
+          <pc:docMk/>
+          <pc:sldMk cId="2536477889" sldId="272"/>
+        </pc:sldMkLst>
+        <pc:spChg chg="mod">
+          <ac:chgData name="Pooja Laveti" userId="a348b4b3ee6c70d5" providerId="LiveId" clId="{4599A1B0-895D-41C7-AEEF-875889BFA5F2}" dt="2023-03-13T21:55:03.568" v="388" actId="20577"/>
+          <ac:spMkLst>
+            <pc:docMk/>
+            <pc:sldMk cId="2536477889" sldId="272"/>
+            <ac:spMk id="3" creationId="{AC61533B-1259-6BAD-488E-2125266193CD}"/>
+          </ac:spMkLst>
+        </pc:spChg>
+        <pc:picChg chg="add del mod modCrop">
+          <ac:chgData name="Pooja Laveti" userId="a348b4b3ee6c70d5" providerId="LiveId" clId="{4599A1B0-895D-41C7-AEEF-875889BFA5F2}" dt="2023-03-06T05:49:18.881" v="175" actId="1076"/>
+          <ac:picMkLst>
+            <pc:docMk/>
+            <pc:sldMk cId="2536477889" sldId="272"/>
+            <ac:picMk id="5" creationId="{8D98D1E0-D6F1-19B0-7593-4D26B27CB049}"/>
+          </ac:picMkLst>
+        </pc:picChg>
+        <pc:picChg chg="add mod modCrop">
+          <ac:chgData name="Pooja Laveti" userId="a348b4b3ee6c70d5" providerId="LiveId" clId="{4599A1B0-895D-41C7-AEEF-875889BFA5F2}" dt="2023-03-06T05:49:30.042" v="176" actId="14100"/>
+          <ac:picMkLst>
+            <pc:docMk/>
+            <pc:sldMk cId="2536477889" sldId="272"/>
+            <ac:picMk id="7" creationId="{02E137B2-643E-3AE6-D6EB-C15A90FEF75F}"/>
+          </ac:picMkLst>
+        </pc:picChg>
+      </pc:sldChg>
+      <pc:sldChg chg="modSp mod">
+        <pc:chgData name="Pooja Laveti" userId="a348b4b3ee6c70d5" providerId="LiveId" clId="{4599A1B0-895D-41C7-AEEF-875889BFA5F2}" dt="2023-03-13T21:56:51.879" v="390"/>
+        <pc:sldMkLst>
+          <pc:docMk/>
+          <pc:sldMk cId="941931040" sldId="274"/>
+        </pc:sldMkLst>
+        <pc:spChg chg="mod">
+          <ac:chgData name="Pooja Laveti" userId="a348b4b3ee6c70d5" providerId="LiveId" clId="{4599A1B0-895D-41C7-AEEF-875889BFA5F2}" dt="2023-03-13T21:56:51.879" v="390"/>
+          <ac:spMkLst>
+            <pc:docMk/>
+            <pc:sldMk cId="941931040" sldId="274"/>
+            <ac:spMk id="3" creationId="{6E75CA7C-3067-536D-3D0D-0E688EFC3334}"/>
+          </ac:spMkLst>
+        </pc:spChg>
+      </pc:sldChg>
+      <pc:sldChg chg="modSp mod">
+        <pc:chgData name="Pooja Laveti" userId="a348b4b3ee6c70d5" providerId="LiveId" clId="{4599A1B0-895D-41C7-AEEF-875889BFA5F2}" dt="2023-03-06T06:01:09.282" v="207" actId="20577"/>
+        <pc:sldMkLst>
+          <pc:docMk/>
+          <pc:sldMk cId="2600699124" sldId="275"/>
+        </pc:sldMkLst>
+        <pc:spChg chg="mod">
+          <ac:chgData name="Pooja Laveti" userId="a348b4b3ee6c70d5" providerId="LiveId" clId="{4599A1B0-895D-41C7-AEEF-875889BFA5F2}" dt="2023-03-06T06:01:09.282" v="207" actId="20577"/>
+          <ac:spMkLst>
+            <pc:docMk/>
+            <pc:sldMk cId="2600699124" sldId="275"/>
+            <ac:spMk id="3" creationId="{4E6B307D-A135-971F-E088-3BA62CF1D054}"/>
+          </ac:spMkLst>
+        </pc:spChg>
+      </pc:sldChg>
+      <pc:sldChg chg="addSp delSp modSp new mod">
+        <pc:chgData name="Pooja Laveti" userId="a348b4b3ee6c70d5" providerId="LiveId" clId="{4599A1B0-895D-41C7-AEEF-875889BFA5F2}" dt="2023-03-06T06:00:47.838" v="203" actId="20577"/>
+        <pc:sldMkLst>
+          <pc:docMk/>
+          <pc:sldMk cId="4263053786" sldId="276"/>
+        </pc:sldMkLst>
+        <pc:spChg chg="mod">
+          <ac:chgData name="Pooja Laveti" userId="a348b4b3ee6c70d5" providerId="LiveId" clId="{4599A1B0-895D-41C7-AEEF-875889BFA5F2}" dt="2023-03-06T06:00:47.838" v="203" actId="20577"/>
+          <ac:spMkLst>
+            <pc:docMk/>
+            <pc:sldMk cId="4263053786" sldId="276"/>
+            <ac:spMk id="2" creationId="{05F09F59-5D2A-AEAF-8CE1-62BD5AF03325}"/>
+          </ac:spMkLst>
+        </pc:spChg>
+        <pc:spChg chg="del">
+          <ac:chgData name="Pooja Laveti" userId="a348b4b3ee6c70d5" providerId="LiveId" clId="{4599A1B0-895D-41C7-AEEF-875889BFA5F2}" dt="2023-03-06T05:58:44.888" v="184" actId="22"/>
+          <ac:spMkLst>
+            <pc:docMk/>
+            <pc:sldMk cId="4263053786" sldId="276"/>
+            <ac:spMk id="3" creationId="{AAAE69D1-AE1E-CA80-FA82-FDE4440B9FB5}"/>
+          </ac:spMkLst>
+        </pc:spChg>
+        <pc:picChg chg="add mod ord">
+          <ac:chgData name="Pooja Laveti" userId="a348b4b3ee6c70d5" providerId="LiveId" clId="{4599A1B0-895D-41C7-AEEF-875889BFA5F2}" dt="2023-03-06T06:00:29.622" v="193" actId="14100"/>
+          <ac:picMkLst>
+            <pc:docMk/>
+            <pc:sldMk cId="4263053786" sldId="276"/>
+            <ac:picMk id="5" creationId="{D3740BC6-B107-1EAE-E93B-499A9AEF9304}"/>
+          </ac:picMkLst>
+        </pc:picChg>
+        <pc:picChg chg="add mod modCrop">
+          <ac:chgData name="Pooja Laveti" userId="a348b4b3ee6c70d5" providerId="LiveId" clId="{4599A1B0-895D-41C7-AEEF-875889BFA5F2}" dt="2023-03-06T06:00:13.695" v="191" actId="732"/>
+          <ac:picMkLst>
+            <pc:docMk/>
+            <pc:sldMk cId="4263053786" sldId="276"/>
+            <ac:picMk id="7" creationId="{5AA3DD4D-497B-3088-4DF4-13FCEBE0B9DD}"/>
+          </ac:picMkLst>
+        </pc:picChg>
+      </pc:sldChg>
+      <pc:sldChg chg="addSp delSp modSp new mod">
+        <pc:chgData name="Pooja Laveti" userId="a348b4b3ee6c70d5" providerId="LiveId" clId="{4599A1B0-895D-41C7-AEEF-875889BFA5F2}" dt="2023-03-13T22:01:12.750" v="421" actId="478"/>
+        <pc:sldMkLst>
+          <pc:docMk/>
+          <pc:sldMk cId="4155209525" sldId="277"/>
+        </pc:sldMkLst>
+        <pc:spChg chg="mod">
+          <ac:chgData name="Pooja Laveti" userId="a348b4b3ee6c70d5" providerId="LiveId" clId="{4599A1B0-895D-41C7-AEEF-875889BFA5F2}" dt="2023-03-13T22:00:14.500" v="406" actId="27636"/>
+          <ac:spMkLst>
+            <pc:docMk/>
+            <pc:sldMk cId="4155209525" sldId="277"/>
+            <ac:spMk id="2" creationId="{72CBE3DC-45EA-5B2E-D178-C0136CCEAB59}"/>
+          </ac:spMkLst>
+        </pc:spChg>
+        <pc:spChg chg="add del">
+          <ac:chgData name="Pooja Laveti" userId="a348b4b3ee6c70d5" providerId="LiveId" clId="{4599A1B0-895D-41C7-AEEF-875889BFA5F2}" dt="2023-03-13T22:01:04.053" v="419"/>
+          <ac:spMkLst>
+            <pc:docMk/>
+            <pc:sldMk cId="4155209525" sldId="277"/>
+            <ac:spMk id="3" creationId="{8360B16A-EF1A-C9C0-165F-98F94E29E8EF}"/>
+          </ac:spMkLst>
+        </pc:spChg>
+        <pc:spChg chg="add del mod">
+          <ac:chgData name="Pooja Laveti" userId="a348b4b3ee6c70d5" providerId="LiveId" clId="{4599A1B0-895D-41C7-AEEF-875889BFA5F2}" dt="2023-03-13T22:01:12.750" v="421" actId="478"/>
+          <ac:spMkLst>
+            <pc:docMk/>
+            <pc:sldMk cId="4155209525" sldId="277"/>
+            <ac:spMk id="4" creationId="{B1C42729-8E6D-9C58-DED1-54EAA295DC71}"/>
+          </ac:spMkLst>
+        </pc:spChg>
+        <pc:spChg chg="add del mod">
+          <ac:chgData name="Pooja Laveti" userId="a348b4b3ee6c70d5" providerId="LiveId" clId="{4599A1B0-895D-41C7-AEEF-875889BFA5F2}" dt="2023-03-13T22:00:14.469" v="405"/>
+          <ac:spMkLst>
+            <pc:docMk/>
+            <pc:sldMk cId="4155209525" sldId="277"/>
+            <ac:spMk id="5" creationId="{3287C4A4-71CF-9AA8-46F1-281296137C93}"/>
+          </ac:spMkLst>
+        </pc:spChg>
+        <pc:spChg chg="add del mod">
+          <ac:chgData name="Pooja Laveti" userId="a348b4b3ee6c70d5" providerId="LiveId" clId="{4599A1B0-895D-41C7-AEEF-875889BFA5F2}" dt="2023-03-13T22:00:20.963" v="408"/>
+          <ac:spMkLst>
+            <pc:docMk/>
+            <pc:sldMk cId="4155209525" sldId="277"/>
+            <ac:spMk id="6" creationId="{2B81107A-1672-F658-A259-6278430F14B4}"/>
+          </ac:spMkLst>
+        </pc:spChg>
+        <pc:spChg chg="add del mod">
+          <ac:chgData name="Pooja Laveti" userId="a348b4b3ee6c70d5" providerId="LiveId" clId="{4599A1B0-895D-41C7-AEEF-875889BFA5F2}" dt="2023-03-13T22:01:10.912" v="420" actId="478"/>
+          <ac:spMkLst>
+            <pc:docMk/>
+            <pc:sldMk cId="4155209525" sldId="277"/>
+            <ac:spMk id="7" creationId="{74DE666F-57E3-4808-8148-8BF495FDAA1B}"/>
+          </ac:spMkLst>
+        </pc:spChg>
+        <pc:spChg chg="add del mod">
+          <ac:chgData name="Pooja Laveti" userId="a348b4b3ee6c70d5" providerId="LiveId" clId="{4599A1B0-895D-41C7-AEEF-875889BFA5F2}" dt="2023-03-13T22:01:04.053" v="419"/>
+          <ac:spMkLst>
+            <pc:docMk/>
+            <pc:sldMk cId="4155209525" sldId="277"/>
+            <ac:spMk id="8" creationId="{C892ECBA-D420-822A-1C20-4488D81ABD3B}"/>
+          </ac:spMkLst>
+        </pc:spChg>
+      </pc:sldChg>
+    </pc:docChg>
+  </pc:docChgLst>
+</pc:chgInfo>
+</file>
+
 <file path=ppt/slideLayouts/slideLayout1.xml><?xml version="1.0" encoding="utf-8"?>
 <p:sldLayout xmlns:a="http://schemas.openxmlformats.org/drawingml/2006/main" xmlns:r="http://schemas.openxmlformats.org/officeDocument/2006/relationships" xmlns:p="http://schemas.openxmlformats.org/presentationml/2006/main" type="title" preserve="1">
   <p:cSld name="Title Slide">
@@ -299,7 +538,7 @@
           <a:p>
             <a:fld id="{7463C41C-A487-0C45-A261-16903102544D}" type="datetimeFigureOut">
               <a:rPr lang="en-US" smtClean="0"/>
-              <a:t>2/27/23</a:t>
+              <a:t>3/13/2023</a:t>
             </a:fld>
             <a:endParaRPr lang="en-US"/>
           </a:p>
@@ -447,7 +686,7 @@
           <a:p>
             <a:fld id="{7463C41C-A487-0C45-A261-16903102544D}" type="datetimeFigureOut">
               <a:rPr lang="en-US" smtClean="0"/>
-              <a:t>2/27/23</a:t>
+              <a:t>3/13/2023</a:t>
             </a:fld>
             <a:endParaRPr lang="en-US"/>
           </a:p>
@@ -672,7 +911,7 @@
           <a:p>
             <a:fld id="{7463C41C-A487-0C45-A261-16903102544D}" type="datetimeFigureOut">
               <a:rPr lang="en-US" smtClean="0"/>
-              <a:t>2/27/23</a:t>
+              <a:t>3/13/2023</a:t>
             </a:fld>
             <a:endParaRPr lang="en-US"/>
           </a:p>
@@ -937,7 +1176,7 @@
           <a:p>
             <a:fld id="{7463C41C-A487-0C45-A261-16903102544D}" type="datetimeFigureOut">
               <a:rPr lang="en-US" smtClean="0"/>
-              <a:t>2/27/23</a:t>
+              <a:t>3/13/2023</a:t>
             </a:fld>
             <a:endParaRPr lang="en-US"/>
           </a:p>
@@ -1336,7 +1575,7 @@
           <a:p>
             <a:fld id="{7463C41C-A487-0C45-A261-16903102544D}" type="datetimeFigureOut">
               <a:rPr lang="en-US" smtClean="0"/>
-              <a:t>2/27/23</a:t>
+              <a:t>3/13/2023</a:t>
             </a:fld>
             <a:endParaRPr lang="en-US"/>
           </a:p>
@@ -1433,7 +1672,7 @@
           <a:p>
             <a:fld id="{7463C41C-A487-0C45-A261-16903102544D}" type="datetimeFigureOut">
               <a:rPr lang="en-US" smtClean="0"/>
-              <a:t>2/27/23</a:t>
+              <a:t>3/13/2023</a:t>
             </a:fld>
             <a:endParaRPr lang="en-US"/>
           </a:p>
@@ -1508,7 +1747,7 @@
           <a:p>
             <a:fld id="{7463C41C-A487-0C45-A261-16903102544D}" type="datetimeFigureOut">
               <a:rPr lang="en-US" smtClean="0"/>
-              <a:t>2/27/23</a:t>
+              <a:t>3/13/2023</a:t>
             </a:fld>
             <a:endParaRPr lang="en-US"/>
           </a:p>
@@ -1763,7 +2002,7 @@
           <a:p>
             <a:fld id="{7463C41C-A487-0C45-A261-16903102544D}" type="datetimeFigureOut">
               <a:rPr lang="en-US" smtClean="0"/>
-              <a:t>2/27/23</a:t>
+              <a:t>3/13/2023</a:t>
             </a:fld>
             <a:endParaRPr lang="en-US"/>
           </a:p>
@@ -2145,7 +2384,7 @@
           <a:p>
             <a:fld id="{7463C41C-A487-0C45-A261-16903102544D}" type="datetimeFigureOut">
               <a:rPr lang="en-US" smtClean="0"/>
-              <a:t>2/27/23</a:t>
+              <a:t>3/13/2023</a:t>
             </a:fld>
             <a:endParaRPr lang="en-US"/>
           </a:p>
@@ -3141,6 +3380,503 @@
 </p:sld>
 </file>
 
+<file path=ppt/slides/slide10.xml><?xml version="1.0" encoding="utf-8"?>
+<p:sld xmlns:a="http://schemas.openxmlformats.org/drawingml/2006/main" xmlns:r="http://schemas.openxmlformats.org/officeDocument/2006/relationships" xmlns:p="http://schemas.openxmlformats.org/presentationml/2006/main">
+  <p:cSld>
+    <p:spTree>
+      <p:nvGrpSpPr>
+        <p:cNvPr id="1" name=""/>
+        <p:cNvGrpSpPr/>
+        <p:nvPr/>
+      </p:nvGrpSpPr>
+      <p:grpSpPr>
+        <a:xfrm>
+          <a:off x="0" y="0"/>
+          <a:ext cx="0" cy="0"/>
+          <a:chOff x="0" y="0"/>
+          <a:chExt cx="0" cy="0"/>
+        </a:xfrm>
+      </p:grpSpPr>
+      <p:sp>
+        <p:nvSpPr>
+          <p:cNvPr id="2" name="TextBox 1">
+            <a:extLst>
+              <a:ext uri="{FF2B5EF4-FFF2-40B4-BE49-F238E27FC236}">
+                <a16:creationId xmlns:a16="http://schemas.microsoft.com/office/drawing/2014/main" id="{7F653EBA-6762-153F-9C91-0437ABCA139D}"/>
+              </a:ext>
+            </a:extLst>
+          </p:cNvPr>
+          <p:cNvSpPr txBox="1"/>
+          <p:nvPr/>
+        </p:nvSpPr>
+        <p:spPr>
+          <a:xfrm>
+            <a:off x="782541" y="1674673"/>
+            <a:ext cx="10626918" cy="4062651"/>
+          </a:xfrm>
+          <a:prstGeom prst="rect">
+            <a:avLst/>
+          </a:prstGeom>
+          <a:noFill/>
+        </p:spPr>
+        <p:txBody>
+          <a:bodyPr wrap="square" rtlCol="0">
+            <a:spAutoFit/>
+          </a:bodyPr>
+          <a:lstStyle/>
+          <a:p>
+            <a:r>
+              <a:rPr lang="en-US" dirty="0">
+                <a:cs typeface="Times New Roman" panose="02020603050405020304" pitchFamily="18" charset="0"/>
+              </a:rPr>
+              <a:t>[1] </a:t>
+            </a:r>
+            <a:r>
+              <a:rPr lang="en-US" dirty="0" err="1">
+                <a:cs typeface="Times New Roman" panose="02020603050405020304" pitchFamily="18" charset="0"/>
+              </a:rPr>
+              <a:t>Youtube</a:t>
+            </a:r>
+            <a:r>
+              <a:rPr lang="en-US" dirty="0">
+                <a:cs typeface="Times New Roman" panose="02020603050405020304" pitchFamily="18" charset="0"/>
+              </a:rPr>
+              <a:t> Trending Video analysis by Dublin School, </a:t>
+            </a:r>
+            <a:r>
+              <a:rPr lang="en-US" b="0" dirty="0" err="1">
+                <a:effectLst/>
+                <a:cs typeface="Times New Roman" panose="02020603050405020304" pitchFamily="18" charset="0"/>
+              </a:rPr>
+              <a:t>Niture</a:t>
+            </a:r>
+            <a:r>
+              <a:rPr lang="en-US" b="0" dirty="0">
+                <a:effectLst/>
+                <a:cs typeface="Times New Roman" panose="02020603050405020304" pitchFamily="18" charset="0"/>
+              </a:rPr>
+              <a:t>, Aakash Ashok, January 11th, 2021</a:t>
+            </a:r>
+            <a:endParaRPr lang="en-US" dirty="0">
+              <a:cs typeface="Times New Roman" panose="02020603050405020304" pitchFamily="18" charset="0"/>
+            </a:endParaRPr>
+          </a:p>
+          <a:p>
+            <a:r>
+              <a:rPr lang="en-US" dirty="0">
+                <a:cs typeface="Times New Roman" panose="02020603050405020304" pitchFamily="18" charset="0"/>
+                <a:hlinkClick r:id="rId2">
+                  <a:extLst>
+                    <a:ext uri="{A12FA001-AC4F-418D-AE19-62706E023703}">
+                      <ahyp:hlinkClr xmlns:ahyp="http://schemas.microsoft.com/office/drawing/2018/hyperlinkcolor" val="tx"/>
+                    </a:ext>
+                  </a:extLst>
+                </a:hlinkClick>
+              </a:rPr>
+              <a:t>https://esource.dbs.ie/handle/10788/4260</a:t>
+            </a:r>
+            <a:endParaRPr lang="en-US" dirty="0">
+              <a:cs typeface="Times New Roman" panose="02020603050405020304" pitchFamily="18" charset="0"/>
+            </a:endParaRPr>
+          </a:p>
+          <a:p>
+            <a:endParaRPr lang="en-US" dirty="0">
+              <a:cs typeface="Times New Roman" panose="02020603050405020304" pitchFamily="18" charset="0"/>
+            </a:endParaRPr>
+          </a:p>
+          <a:p>
+            <a:pPr algn="l"/>
+            <a:r>
+              <a:rPr lang="en-US" dirty="0">
+                <a:cs typeface="Times New Roman" panose="02020603050405020304" pitchFamily="18" charset="0"/>
+              </a:rPr>
+              <a:t>[2]</a:t>
+            </a:r>
+            <a:r>
+              <a:rPr lang="en-US" b="0" i="0" dirty="0">
+                <a:effectLst/>
+                <a:cs typeface="Times New Roman" panose="02020603050405020304" pitchFamily="18" charset="0"/>
+              </a:rPr>
+              <a:t> Identifying Latent Toxic Features on YouTube Using Non-negative Matrix Factorization, Adewale </a:t>
+            </a:r>
+            <a:r>
+              <a:rPr lang="en-US" b="0" i="0" dirty="0" err="1">
+                <a:effectLst/>
+                <a:cs typeface="Times New Roman" panose="02020603050405020304" pitchFamily="18" charset="0"/>
+              </a:rPr>
+              <a:t>Obadimu</a:t>
+            </a:r>
+            <a:r>
+              <a:rPr lang="en-US" dirty="0">
+                <a:cs typeface="Times New Roman" panose="02020603050405020304" pitchFamily="18" charset="0"/>
+              </a:rPr>
+              <a:t>, </a:t>
+            </a:r>
+            <a:r>
+              <a:rPr lang="en-US" b="0" i="0" dirty="0">
+                <a:effectLst/>
+                <a:cs typeface="Times New Roman" panose="02020603050405020304" pitchFamily="18" charset="0"/>
+              </a:rPr>
+              <a:t>Esther Mead, Nitin Agarwal, October 2021</a:t>
+            </a:r>
+          </a:p>
+          <a:p>
+            <a:r>
+              <a:rPr lang="en-US" dirty="0">
+                <a:cs typeface="Times New Roman" panose="02020603050405020304" pitchFamily="18" charset="0"/>
+                <a:hlinkClick r:id="rId3">
+                  <a:extLst>
+                    <a:ext uri="{A12FA001-AC4F-418D-AE19-62706E023703}">
+                      <ahyp:hlinkClr xmlns:ahyp="http://schemas.microsoft.com/office/drawing/2018/hyperlinkcolor" val="tx"/>
+                    </a:ext>
+                  </a:extLst>
+                </a:hlinkClick>
+              </a:rPr>
+              <a:t>https://www.researchgate.net/publication/336568016_Identifying_Latent_Toxic_Features_on_YouTube_Using_Non-negative_Matrix_Factorization</a:t>
+            </a:r>
+            <a:endParaRPr lang="en-US" dirty="0">
+              <a:cs typeface="Times New Roman" panose="02020603050405020304" pitchFamily="18" charset="0"/>
+            </a:endParaRPr>
+          </a:p>
+          <a:p>
+            <a:endParaRPr lang="en-US" dirty="0">
+              <a:cs typeface="Times New Roman" panose="02020603050405020304" pitchFamily="18" charset="0"/>
+            </a:endParaRPr>
+          </a:p>
+          <a:p>
+            <a:r>
+              <a:rPr lang="en-US" dirty="0">
+                <a:cs typeface="Times New Roman" panose="02020603050405020304" pitchFamily="18" charset="0"/>
+              </a:rPr>
+              <a:t>[3] </a:t>
+            </a:r>
+            <a:r>
+              <a:rPr lang="en-US" dirty="0">
+                <a:effectLst/>
+                <a:cs typeface="Times New Roman" panose="02020603050405020304" pitchFamily="18" charset="0"/>
+              </a:rPr>
+              <a:t>Trending YouTube Video Analysis, MD </a:t>
+            </a:r>
+            <a:r>
+              <a:rPr lang="en-US" dirty="0" err="1">
+                <a:effectLst/>
+                <a:cs typeface="Times New Roman" panose="02020603050405020304" pitchFamily="18" charset="0"/>
+              </a:rPr>
+              <a:t>Sakibur</a:t>
+            </a:r>
+            <a:r>
+              <a:rPr lang="en-US" dirty="0">
+                <a:effectLst/>
+                <a:cs typeface="Times New Roman" panose="02020603050405020304" pitchFamily="18" charset="0"/>
+              </a:rPr>
+              <a:t> Hasan, </a:t>
+            </a:r>
+            <a:r>
+              <a:rPr lang="en-US" dirty="0" err="1">
+                <a:effectLst/>
+                <a:cs typeface="Times New Roman" panose="02020603050405020304" pitchFamily="18" charset="0"/>
+              </a:rPr>
+              <a:t>Bishal</a:t>
+            </a:r>
+            <a:r>
+              <a:rPr lang="en-US" dirty="0">
+                <a:effectLst/>
+                <a:cs typeface="Times New Roman" panose="02020603050405020304" pitchFamily="18" charset="0"/>
+              </a:rPr>
+              <a:t> </a:t>
+            </a:r>
+            <a:r>
+              <a:rPr lang="en-US" dirty="0" err="1">
+                <a:effectLst/>
+                <a:cs typeface="Times New Roman" panose="02020603050405020304" pitchFamily="18" charset="0"/>
+              </a:rPr>
+              <a:t>Sarker</a:t>
+            </a:r>
+            <a:r>
+              <a:rPr lang="en-US" dirty="0">
+                <a:cs typeface="Times New Roman" panose="02020603050405020304" pitchFamily="18" charset="0"/>
+              </a:rPr>
+              <a:t>, </a:t>
+            </a:r>
+            <a:r>
+              <a:rPr lang="en-US" dirty="0">
+                <a:effectLst/>
+                <a:cs typeface="Times New Roman" panose="02020603050405020304" pitchFamily="18" charset="0"/>
+              </a:rPr>
+              <a:t>Diksha Shrestha, Roshan Shrestha, </a:t>
+            </a:r>
+            <a:r>
+              <a:rPr lang="en-US" dirty="0" err="1">
+                <a:effectLst/>
+                <a:cs typeface="Times New Roman" panose="02020603050405020304" pitchFamily="18" charset="0"/>
+              </a:rPr>
+              <a:t>Sajal</a:t>
+            </a:r>
+            <a:r>
+              <a:rPr lang="en-US" dirty="0">
+                <a:effectLst/>
+                <a:cs typeface="Times New Roman" panose="02020603050405020304" pitchFamily="18" charset="0"/>
+              </a:rPr>
+              <a:t> N. Shrestha, February 7th, 2023</a:t>
+            </a:r>
+            <a:endParaRPr lang="en-US" dirty="0">
+              <a:cs typeface="Times New Roman" panose="02020603050405020304" pitchFamily="18" charset="0"/>
+            </a:endParaRPr>
+          </a:p>
+          <a:p>
+            <a:r>
+              <a:rPr lang="en-US" dirty="0">
+                <a:cs typeface="Times New Roman" panose="02020603050405020304" pitchFamily="18" charset="0"/>
+                <a:hlinkClick r:id="rId4">
+                  <a:extLst>
+                    <a:ext uri="{A12FA001-AC4F-418D-AE19-62706E023703}">
+                      <ahyp:hlinkClr xmlns:ahyp="http://schemas.microsoft.com/office/drawing/2018/hyperlinkcolor" val="tx"/>
+                    </a:ext>
+                  </a:extLst>
+                </a:hlinkClick>
+              </a:rPr>
+              <a:t>https://www.researchsquare.com/article/rs-2548456/v1</a:t>
+            </a:r>
+            <a:endParaRPr lang="en-US" dirty="0">
+              <a:cs typeface="Times New Roman" panose="02020603050405020304" pitchFamily="18" charset="0"/>
+            </a:endParaRPr>
+          </a:p>
+          <a:p>
+            <a:pPr marL="0" marR="0" lvl="0" indent="0" algn="l" defTabSz="914400" rtl="0" eaLnBrk="1" fontAlgn="auto" latinLnBrk="0" hangingPunct="1">
+              <a:lnSpc>
+                <a:spcPct val="100000"/>
+              </a:lnSpc>
+              <a:spcBef>
+                <a:spcPts val="0"/>
+              </a:spcBef>
+              <a:spcAft>
+                <a:spcPts val="0"/>
+              </a:spcAft>
+              <a:buClrTx/>
+              <a:buSzTx/>
+              <a:buFontTx/>
+              <a:buNone/>
+              <a:tabLst/>
+              <a:defRPr/>
+            </a:pPr>
+            <a:endParaRPr kumimoji="0" lang="en-US" b="0" i="0" u="none" strike="noStrike" kern="1200" cap="none" spc="0" normalizeH="0" baseline="0" noProof="0" dirty="0">
+              <a:ln>
+                <a:noFill/>
+              </a:ln>
+              <a:effectLst/>
+              <a:uLnTx/>
+              <a:uFillTx/>
+              <a:ea typeface="+mn-ea"/>
+              <a:cs typeface="Times New Roman" panose="02020603050405020304" pitchFamily="18" charset="0"/>
+            </a:endParaRPr>
+          </a:p>
+          <a:p>
+            <a:pPr marL="0" marR="0" lvl="0" indent="0" algn="l" defTabSz="914400" rtl="0" eaLnBrk="1" fontAlgn="auto" latinLnBrk="0" hangingPunct="1">
+              <a:lnSpc>
+                <a:spcPct val="100000"/>
+              </a:lnSpc>
+              <a:spcBef>
+                <a:spcPts val="0"/>
+              </a:spcBef>
+              <a:spcAft>
+                <a:spcPts val="0"/>
+              </a:spcAft>
+              <a:buClrTx/>
+              <a:buSzTx/>
+              <a:buFontTx/>
+              <a:buNone/>
+              <a:tabLst/>
+              <a:defRPr/>
+            </a:pPr>
+            <a:r>
+              <a:rPr kumimoji="0" lang="en-US" b="0" i="0" u="none" strike="noStrike" kern="1200" cap="none" spc="0" normalizeH="0" baseline="0" noProof="0" dirty="0">
+                <a:ln>
+                  <a:noFill/>
+                </a:ln>
+                <a:effectLst/>
+                <a:uLnTx/>
+                <a:uFillTx/>
+                <a:ea typeface="+mn-ea"/>
+                <a:cs typeface="Times New Roman" panose="02020603050405020304" pitchFamily="18" charset="0"/>
+              </a:rPr>
+              <a:t>[4] Trending on YouTube</a:t>
+            </a:r>
+          </a:p>
+          <a:p>
+            <a:pPr marL="0" marR="0" lvl="0" indent="0" algn="l" defTabSz="914400" rtl="0" eaLnBrk="1" fontAlgn="auto" latinLnBrk="0" hangingPunct="1">
+              <a:lnSpc>
+                <a:spcPct val="100000"/>
+              </a:lnSpc>
+              <a:spcBef>
+                <a:spcPts val="0"/>
+              </a:spcBef>
+              <a:spcAft>
+                <a:spcPts val="0"/>
+              </a:spcAft>
+              <a:buClrTx/>
+              <a:buSzTx/>
+              <a:buFontTx/>
+              <a:buNone/>
+              <a:tabLst/>
+              <a:defRPr/>
+            </a:pPr>
+            <a:r>
+              <a:rPr lang="en-US" dirty="0">
+                <a:hlinkClick r:id="rId5">
+                  <a:extLst>
+                    <a:ext uri="{A12FA001-AC4F-418D-AE19-62706E023703}">
+                      <ahyp:hlinkClr xmlns:ahyp="http://schemas.microsoft.com/office/drawing/2018/hyperlinkcolor" val="tx"/>
+                    </a:ext>
+                  </a:extLst>
+                </a:hlinkClick>
+              </a:rPr>
+              <a:t>https://support.google.com/youtube/answer/7239739?hl=en</a:t>
+            </a:r>
+            <a:endParaRPr lang="en-US" dirty="0">
+              <a:cs typeface="Times New Roman" panose="02020603050405020304" pitchFamily="18" charset="0"/>
+            </a:endParaRPr>
+          </a:p>
+        </p:txBody>
+      </p:sp>
+      <p:sp>
+        <p:nvSpPr>
+          <p:cNvPr id="3" name="TextBox 2">
+            <a:extLst>
+              <a:ext uri="{FF2B5EF4-FFF2-40B4-BE49-F238E27FC236}">
+                <a16:creationId xmlns:a16="http://schemas.microsoft.com/office/drawing/2014/main" id="{422D0454-3E73-281E-E8EA-5CCE560643A2}"/>
+              </a:ext>
+            </a:extLst>
+          </p:cNvPr>
+          <p:cNvSpPr txBox="1"/>
+          <p:nvPr/>
+        </p:nvSpPr>
+        <p:spPr>
+          <a:xfrm>
+            <a:off x="782541" y="840685"/>
+            <a:ext cx="3729162" cy="707886"/>
+          </a:xfrm>
+          <a:prstGeom prst="rect">
+            <a:avLst/>
+          </a:prstGeom>
+          <a:noFill/>
+        </p:spPr>
+        <p:txBody>
+          <a:bodyPr wrap="square" rtlCol="0">
+            <a:spAutoFit/>
+          </a:bodyPr>
+          <a:lstStyle/>
+          <a:p>
+            <a:r>
+              <a:rPr lang="en-US" sz="4000" dirty="0">
+                <a:latin typeface="Times New Roman" panose="02020603050405020304" pitchFamily="18" charset="0"/>
+                <a:cs typeface="Times New Roman" panose="02020603050405020304" pitchFamily="18" charset="0"/>
+              </a:rPr>
+              <a:t>References</a:t>
+            </a:r>
+          </a:p>
+        </p:txBody>
+      </p:sp>
+    </p:spTree>
+    <p:extLst>
+      <p:ext uri="{BB962C8B-B14F-4D97-AF65-F5344CB8AC3E}">
+        <p14:creationId xmlns:p14="http://schemas.microsoft.com/office/powerpoint/2010/main" val="2829910102"/>
+      </p:ext>
+    </p:extLst>
+  </p:cSld>
+  <p:clrMapOvr>
+    <a:masterClrMapping/>
+  </p:clrMapOvr>
+</p:sld>
+</file>
+
+<file path=ppt/slides/slide11.xml><?xml version="1.0" encoding="utf-8"?>
+<p:sld xmlns:a="http://schemas.openxmlformats.org/drawingml/2006/main" xmlns:r="http://schemas.openxmlformats.org/officeDocument/2006/relationships" xmlns:p="http://schemas.openxmlformats.org/presentationml/2006/main">
+  <p:cSld>
+    <p:spTree>
+      <p:nvGrpSpPr>
+        <p:cNvPr id="1" name=""/>
+        <p:cNvGrpSpPr/>
+        <p:nvPr/>
+      </p:nvGrpSpPr>
+      <p:grpSpPr>
+        <a:xfrm>
+          <a:off x="0" y="0"/>
+          <a:ext cx="0" cy="0"/>
+          <a:chOff x="0" y="0"/>
+          <a:chExt cx="0" cy="0"/>
+        </a:xfrm>
+      </p:grpSpPr>
+      <p:sp>
+        <p:nvSpPr>
+          <p:cNvPr id="2" name="Title 1">
+            <a:extLst>
+              <a:ext uri="{FF2B5EF4-FFF2-40B4-BE49-F238E27FC236}">
+                <a16:creationId xmlns:a16="http://schemas.microsoft.com/office/drawing/2014/main" id="{AE9E9925-52C6-CC90-DC1F-37D59C3E61CE}"/>
+              </a:ext>
+            </a:extLst>
+          </p:cNvPr>
+          <p:cNvSpPr>
+            <a:spLocks noGrp="1"/>
+          </p:cNvSpPr>
+          <p:nvPr>
+            <p:ph type="title"/>
+          </p:nvPr>
+        </p:nvSpPr>
+        <p:spPr/>
+        <p:txBody>
+          <a:bodyPr>
+            <a:normAutofit fontScale="90000"/>
+          </a:bodyPr>
+          <a:lstStyle/>
+          <a:p>
+            <a:endParaRPr lang="en-US"/>
+          </a:p>
+        </p:txBody>
+      </p:sp>
+      <p:sp>
+        <p:nvSpPr>
+          <p:cNvPr id="3" name="Content Placeholder 2">
+            <a:extLst>
+              <a:ext uri="{FF2B5EF4-FFF2-40B4-BE49-F238E27FC236}">
+                <a16:creationId xmlns:a16="http://schemas.microsoft.com/office/drawing/2014/main" id="{4E6B307D-A135-971F-E088-3BA62CF1D054}"/>
+              </a:ext>
+            </a:extLst>
+          </p:cNvPr>
+          <p:cNvSpPr>
+            <a:spLocks noGrp="1"/>
+          </p:cNvSpPr>
+          <p:nvPr>
+            <p:ph idx="1"/>
+          </p:nvPr>
+        </p:nvSpPr>
+        <p:spPr/>
+        <p:txBody>
+          <a:bodyPr/>
+          <a:lstStyle/>
+          <a:p>
+            <a:pPr marL="0" indent="0">
+              <a:buNone/>
+            </a:pPr>
+            <a:r>
+              <a:rPr lang="en-US" dirty="0"/>
+              <a:t>Thank You !!</a:t>
+            </a:r>
+          </a:p>
+        </p:txBody>
+      </p:sp>
+    </p:spTree>
+    <p:extLst>
+      <p:ext uri="{BB962C8B-B14F-4D97-AF65-F5344CB8AC3E}">
+        <p14:creationId xmlns:p14="http://schemas.microsoft.com/office/powerpoint/2010/main" val="2600699124"/>
+      </p:ext>
+    </p:extLst>
+  </p:cSld>
+  <p:clrMapOvr>
+    <a:masterClrMapping/>
+  </p:clrMapOvr>
+</p:sld>
+</file>
+
 <file path=ppt/slides/slide2.xml><?xml version="1.0" encoding="utf-8"?>
 <p:sld xmlns:a="http://schemas.openxmlformats.org/drawingml/2006/main" xmlns:r="http://schemas.openxmlformats.org/officeDocument/2006/relationships" xmlns:p="http://schemas.openxmlformats.org/presentationml/2006/main">
   <p:cSld>
@@ -3578,6 +4314,51 @@
           </a:p>
         </p:txBody>
       </p:sp>
+      <p:pic>
+        <p:nvPicPr>
+          <p:cNvPr id="1026" name="Picture 2" descr="YouTube TRIBUS Integration - Video | Custom Brokerage Platforms">
+            <a:extLst>
+              <a:ext uri="{FF2B5EF4-FFF2-40B4-BE49-F238E27FC236}">
+                <a16:creationId xmlns:a16="http://schemas.microsoft.com/office/drawing/2014/main" id="{7A6D2D69-E202-3E39-7927-5ECDA894156F}"/>
+              </a:ext>
+            </a:extLst>
+          </p:cNvPr>
+          <p:cNvPicPr>
+            <a:picLocks noChangeAspect="1" noChangeArrowheads="1"/>
+          </p:cNvPicPr>
+          <p:nvPr/>
+        </p:nvPicPr>
+        <p:blipFill rotWithShape="1">
+          <a:blip r:embed="rId2">
+            <a:extLst>
+              <a:ext uri="{28A0092B-C50C-407E-A947-70E740481C1C}">
+                <a14:useLocalDpi xmlns:a14="http://schemas.microsoft.com/office/drawing/2010/main" val="0"/>
+              </a:ext>
+            </a:extLst>
+          </a:blip>
+          <a:srcRect t="24767" b="24455"/>
+          <a:stretch/>
+        </p:blipFill>
+        <p:spPr bwMode="auto">
+          <a:xfrm>
+            <a:off x="1817739" y="5014452"/>
+            <a:ext cx="7768714" cy="1602658"/>
+          </a:xfrm>
+          <a:prstGeom prst="rect">
+            <a:avLst/>
+          </a:prstGeom>
+          <a:noFill/>
+          <a:extLst>
+            <a:ext uri="{909E8E84-426E-40DD-AFC4-6F175D3DCCD1}">
+              <a14:hiddenFill xmlns:a14="http://schemas.microsoft.com/office/drawing/2010/main">
+                <a:solidFill>
+                  <a:srgbClr val="FFFFFF"/>
+                </a:solidFill>
+              </a14:hiddenFill>
+            </a:ext>
+          </a:extLst>
+        </p:spPr>
+      </p:pic>
     </p:spTree>
     <p:extLst>
       <p:ext uri="{BB962C8B-B14F-4D97-AF65-F5344CB8AC3E}">
@@ -3658,7 +4439,12 @@
             <p:ph idx="1"/>
           </p:nvPr>
         </p:nvSpPr>
-        <p:spPr/>
+        <p:spPr>
+          <a:xfrm>
+            <a:off x="609600" y="1795613"/>
+            <a:ext cx="10972800" cy="4330551"/>
+          </a:xfrm>
+        </p:spPr>
         <p:txBody>
           <a:bodyPr>
             <a:normAutofit/>
@@ -3688,7 +4474,7 @@
                 <a:latin typeface="Times New Roman" panose="02020603050405020304" pitchFamily="18" charset="0"/>
                 <a:cs typeface="Times New Roman" panose="02020603050405020304" pitchFamily="18" charset="0"/>
               </a:rPr>
-              <a:t>What is the average time it takes for a video to trend across different categories?</a:t>
+              <a:t>What would be the amount of time it takes for a video to get into the trending list?</a:t>
             </a:r>
           </a:p>
           <a:p>
@@ -3727,6 +4513,64 @@
           </a:p>
         </p:txBody>
       </p:sp>
+      <p:pic>
+        <p:nvPicPr>
+          <p:cNvPr id="5" name="Picture 4">
+            <a:extLst>
+              <a:ext uri="{FF2B5EF4-FFF2-40B4-BE49-F238E27FC236}">
+                <a16:creationId xmlns:a16="http://schemas.microsoft.com/office/drawing/2014/main" id="{8D98D1E0-D6F1-19B0-7593-4D26B27CB049}"/>
+              </a:ext>
+            </a:extLst>
+          </p:cNvPr>
+          <p:cNvPicPr>
+            <a:picLocks noChangeAspect="1"/>
+          </p:cNvPicPr>
+          <p:nvPr/>
+        </p:nvPicPr>
+        <p:blipFill rotWithShape="1">
+          <a:blip r:embed="rId2"/>
+          <a:srcRect r="3615"/>
+          <a:stretch/>
+        </p:blipFill>
+        <p:spPr>
+          <a:xfrm>
+            <a:off x="5550237" y="3927945"/>
+            <a:ext cx="4953663" cy="2930056"/>
+          </a:xfrm>
+          <a:prstGeom prst="rect">
+            <a:avLst/>
+          </a:prstGeom>
+        </p:spPr>
+      </p:pic>
+      <p:pic>
+        <p:nvPicPr>
+          <p:cNvPr id="7" name="Picture 6">
+            <a:extLst>
+              <a:ext uri="{FF2B5EF4-FFF2-40B4-BE49-F238E27FC236}">
+                <a16:creationId xmlns:a16="http://schemas.microsoft.com/office/drawing/2014/main" id="{02E137B2-643E-3AE6-D6EB-C15A90FEF75F}"/>
+              </a:ext>
+            </a:extLst>
+          </p:cNvPr>
+          <p:cNvPicPr>
+            <a:picLocks noChangeAspect="1"/>
+          </p:cNvPicPr>
+          <p:nvPr/>
+        </p:nvPicPr>
+        <p:blipFill rotWithShape="1">
+          <a:blip r:embed="rId3"/>
+          <a:srcRect l="1359"/>
+          <a:stretch/>
+        </p:blipFill>
+        <p:spPr>
+          <a:xfrm>
+            <a:off x="675860" y="3927945"/>
+            <a:ext cx="5025225" cy="2839833"/>
+          </a:xfrm>
+          <a:prstGeom prst="rect">
+            <a:avLst/>
+          </a:prstGeom>
+        </p:spPr>
+      </p:pic>
     </p:spTree>
     <p:extLst>
       <p:ext uri="{BB962C8B-B14F-4D97-AF65-F5344CB8AC3E}">
@@ -4087,7 +4931,7 @@
                 <a:latin typeface="Times New Roman" panose="02020603050405020304" pitchFamily="18" charset="0"/>
                 <a:cs typeface="Times New Roman" panose="02020603050405020304" pitchFamily="18" charset="0"/>
               </a:rPr>
-              <a:t>What has been done:</a:t>
+              <a:t>What is the state of the research paper?</a:t>
             </a:r>
           </a:p>
           <a:p>
@@ -4132,7 +4976,7 @@
                 <a:latin typeface="Times New Roman" panose="02020603050405020304" pitchFamily="18" charset="0"/>
                 <a:cs typeface="Times New Roman" panose="02020603050405020304" pitchFamily="18" charset="0"/>
               </a:rPr>
-              <a:t>What didn’t they do?</a:t>
+              <a:t>What is missing?</a:t>
             </a:r>
           </a:p>
           <a:p>
@@ -4311,13 +5155,15 @@
           </a:bodyPr>
           <a:lstStyle/>
           <a:p>
-            <a:pPr algn="just"/>
+            <a:pPr marL="0" indent="0" algn="just">
+              <a:buNone/>
+            </a:pPr>
             <a:r>
               <a:rPr lang="en-US" sz="2400" dirty="0">
                 <a:latin typeface="Times New Roman" panose="02020603050405020304" pitchFamily="18" charset="0"/>
                 <a:cs typeface="Times New Roman" panose="02020603050405020304" pitchFamily="18" charset="0"/>
               </a:rPr>
-              <a:t>What has been done:</a:t>
+              <a:t>What is the state of the research paper?</a:t>
             </a:r>
           </a:p>
           <a:p>
@@ -4391,7 +5237,7 @@
                 <a:latin typeface="Times New Roman" panose="02020603050405020304" pitchFamily="18" charset="0"/>
                 <a:cs typeface="Times New Roman" panose="02020603050405020304" pitchFamily="18" charset="0"/>
               </a:rPr>
-              <a:t>Identify most popular tags across the countries</a:t>
+              <a:t>Identify the most popular tags across the countries</a:t>
             </a:r>
           </a:p>
           <a:p>
@@ -4419,7 +5265,7 @@
                 <a:latin typeface="Times New Roman" panose="02020603050405020304" pitchFamily="18" charset="0"/>
                 <a:cs typeface="Times New Roman" panose="02020603050405020304" pitchFamily="18" charset="0"/>
               </a:rPr>
-              <a:t>Identify the pattern over days of the week which gives information about the optimal day to post the videos</a:t>
+              <a:t>Identify the pattern over days of the week which leads to the information about the optimal day to post the videos</a:t>
             </a:r>
             <a:r>
               <a:rPr lang="en-US" sz="2400" dirty="0">
@@ -4444,7 +5290,7 @@
                 <a:latin typeface="Times New Roman" panose="02020603050405020304" pitchFamily="18" charset="0"/>
                 <a:cs typeface="Times New Roman" panose="02020603050405020304" pitchFamily="18" charset="0"/>
               </a:rPr>
-              <a:t>What is missing:</a:t>
+              <a:t>What is missing?</a:t>
             </a:r>
           </a:p>
           <a:p>
@@ -4609,7 +5455,7 @@
         </p:spPr>
         <p:txBody>
           <a:bodyPr vert="horz" lIns="91440" tIns="45720" rIns="91440" bIns="45720" rtlCol="0">
-            <a:normAutofit lnSpcReduction="10000"/>
+            <a:normAutofit fontScale="92500" lnSpcReduction="10000"/>
           </a:bodyPr>
           <a:lstStyle>
             <a:lvl1pPr marL="228600" indent="-228600" algn="l" defTabSz="914400" rtl="0" eaLnBrk="1" latinLnBrk="0" hangingPunct="1">
@@ -4775,55 +5621,6 @@
               </a:defRPr>
             </a:lvl9pPr>
           </a:lstStyle>
-          <a:p>
-            <a:pPr marL="228600" marR="0" lvl="0" indent="-228600" algn="just" defTabSz="914400" rtl="0" eaLnBrk="1" fontAlgn="auto" latinLnBrk="0" hangingPunct="1">
-              <a:lnSpc>
-                <a:spcPct val="90000"/>
-              </a:lnSpc>
-              <a:spcBef>
-                <a:spcPts val="1000"/>
-              </a:spcBef>
-              <a:spcAft>
-                <a:spcPts val="0"/>
-              </a:spcAft>
-              <a:buClrTx/>
-              <a:buSzTx/>
-              <a:buFont typeface="Arial" panose="020B0604020202020204" pitchFamily="34" charset="0"/>
-              <a:buChar char="•"/>
-              <a:tabLst/>
-              <a:defRPr/>
-            </a:pPr>
-            <a:r>
-              <a:rPr kumimoji="0" lang="en-US" sz="2800" b="0" i="0" u="none" strike="noStrike" kern="1200" cap="none" spc="0" normalizeH="0" baseline="0" noProof="0" dirty="0">
-                <a:ln>
-                  <a:noFill/>
-                </a:ln>
-                <a:solidFill>
-                  <a:sysClr val="windowText" lastClr="000000"/>
-                </a:solidFill>
-                <a:effectLst/>
-                <a:uLnTx/>
-                <a:uFillTx/>
-                <a:latin typeface="Times New Roman" panose="02020603050405020304" pitchFamily="18" charset="0"/>
-                <a:cs typeface="Times New Roman" panose="02020603050405020304" pitchFamily="18" charset="0"/>
-              </a:rPr>
-              <a:t>Dataset source and link: Kaggle Website</a:t>
-            </a:r>
-            <a:endParaRPr kumimoji="0" lang="en-US" sz="2800" b="0" i="0" u="none" strike="noStrike" kern="1200" cap="none" spc="0" normalizeH="0" baseline="0" noProof="0" dirty="0">
-              <a:ln>
-                <a:noFill/>
-              </a:ln>
-              <a:solidFill>
-                <a:sysClr val="windowText" lastClr="000000"/>
-              </a:solidFill>
-              <a:effectLst/>
-              <a:uLnTx/>
-              <a:uFillTx/>
-              <a:latin typeface="Times New Roman" panose="02020603050405020304" pitchFamily="18" charset="0"/>
-              <a:cs typeface="Times New Roman" panose="02020603050405020304" pitchFamily="18" charset="0"/>
-              <a:hlinkClick r:id="rId2"/>
-            </a:endParaRPr>
-          </a:p>
           <a:p>
             <a:pPr marL="228600" marR="0" lvl="0" indent="-228600" algn="l" defTabSz="914400" rtl="0" eaLnBrk="1" fontAlgn="auto" latinLnBrk="0" hangingPunct="1">
               <a:lnSpc>
@@ -4853,6 +5650,47 @@
                 <a:effectLst/>
                 <a:uLnTx/>
                 <a:uFillTx/>
+                <a:latin typeface="Times New Roman" panose="02020603050405020304" pitchFamily="18" charset="0"/>
+                <a:cs typeface="Times New Roman" panose="02020603050405020304" pitchFamily="18" charset="0"/>
+              </a:rPr>
+              <a:t>Source: 1</a:t>
+            </a:r>
+            <a:endParaRPr lang="en-US" dirty="0">
+              <a:solidFill>
+                <a:sysClr val="windowText" lastClr="000000"/>
+              </a:solidFill>
+              <a:latin typeface="Calibri" panose="020F0502020204030204"/>
+              <a:hlinkClick r:id="rId2"/>
+            </a:endParaRPr>
+          </a:p>
+          <a:p>
+            <a:pPr marL="0" marR="0" lvl="0" indent="0" algn="l" defTabSz="914400" rtl="0" eaLnBrk="1" fontAlgn="auto" latinLnBrk="0" hangingPunct="1">
+              <a:lnSpc>
+                <a:spcPct val="90000"/>
+              </a:lnSpc>
+              <a:spcBef>
+                <a:spcPts val="1000"/>
+              </a:spcBef>
+              <a:spcAft>
+                <a:spcPts val="0"/>
+              </a:spcAft>
+              <a:buClrTx/>
+              <a:buSzTx/>
+              <a:buNone/>
+              <a:tabLst/>
+              <a:defRPr/>
+            </a:pPr>
+            <a:r>
+              <a:rPr kumimoji="0" lang="en-US" sz="2800" b="0" i="0" u="none" strike="noStrike" kern="1200" cap="none" spc="0" normalizeH="0" baseline="0" noProof="0" dirty="0">
+                <a:ln>
+                  <a:noFill/>
+                </a:ln>
+                <a:solidFill>
+                  <a:sysClr val="windowText" lastClr="000000"/>
+                </a:solidFill>
+                <a:effectLst/>
+                <a:uLnTx/>
+                <a:uFillTx/>
                 <a:latin typeface="Calibri" panose="020F0502020204030204"/>
                 <a:ea typeface="+mn-ea"/>
                 <a:cs typeface="+mn-cs"/>
@@ -4876,7 +5714,132 @@
             </a:endParaRPr>
           </a:p>
           <a:p>
-            <a:pPr marL="228600" marR="0" lvl="0" indent="-228600" algn="just" defTabSz="914400" rtl="0" eaLnBrk="1" fontAlgn="auto" latinLnBrk="0" hangingPunct="1">
+            <a:pPr marL="0" indent="0">
+              <a:buNone/>
+              <a:defRPr/>
+            </a:pPr>
+            <a:r>
+              <a:rPr lang="en-US" dirty="0">
+                <a:solidFill>
+                  <a:sysClr val="windowText" lastClr="000000"/>
+                </a:solidFill>
+                <a:latin typeface="Times New Roman" panose="02020603050405020304" pitchFamily="18" charset="0"/>
+                <a:cs typeface="Times New Roman" panose="02020603050405020304" pitchFamily="18" charset="0"/>
+              </a:rPr>
+              <a:t>Columns: </a:t>
+            </a:r>
+            <a:r>
+              <a:rPr kumimoji="0" lang="en-US" sz="2800" b="0" i="0" u="none" strike="noStrike" kern="1200" cap="none" spc="0" normalizeH="0" baseline="0" noProof="0" dirty="0">
+                <a:ln>
+                  <a:noFill/>
+                </a:ln>
+                <a:solidFill>
+                  <a:sysClr val="windowText" lastClr="000000"/>
+                </a:solidFill>
+                <a:effectLst/>
+                <a:uLnTx/>
+                <a:uFillTx/>
+                <a:latin typeface="Times New Roman" panose="02020603050405020304" pitchFamily="18" charset="0"/>
+                <a:cs typeface="Times New Roman" panose="02020603050405020304" pitchFamily="18" charset="0"/>
+              </a:rPr>
+              <a:t>video id,  title, channel title, publish time, tags, views, likes and dislikes, description, and comment count.</a:t>
+            </a:r>
+          </a:p>
+          <a:p>
+            <a:pPr marL="0" indent="0">
+              <a:buNone/>
+              <a:defRPr/>
+            </a:pPr>
+            <a:r>
+              <a:rPr kumimoji="0" lang="en-US" sz="2800" b="0" i="0" u="none" strike="noStrike" kern="1200" cap="none" spc="0" normalizeH="0" baseline="0" noProof="0" dirty="0">
+                <a:ln>
+                  <a:noFill/>
+                </a:ln>
+                <a:solidFill>
+                  <a:sysClr val="windowText" lastClr="000000"/>
+                </a:solidFill>
+                <a:effectLst/>
+                <a:uLnTx/>
+                <a:uFillTx/>
+                <a:latin typeface="Times New Roman" panose="02020603050405020304" pitchFamily="18" charset="0"/>
+                <a:cs typeface="Times New Roman" panose="02020603050405020304" pitchFamily="18" charset="0"/>
+              </a:rPr>
+              <a:t>Rows: 2,00,000</a:t>
+            </a:r>
+          </a:p>
+          <a:p>
+            <a:pPr marL="0" indent="0">
+              <a:buNone/>
+              <a:defRPr/>
+            </a:pPr>
+            <a:r>
+              <a:rPr kumimoji="0" lang="en-US" sz="2800" b="0" i="0" u="none" strike="noStrike" kern="1200" cap="none" spc="0" normalizeH="0" baseline="0" noProof="0" dirty="0">
+                <a:ln>
+                  <a:noFill/>
+                </a:ln>
+                <a:solidFill>
+                  <a:sysClr val="windowText" lastClr="000000"/>
+                </a:solidFill>
+                <a:effectLst/>
+                <a:uLnTx/>
+                <a:uFillTx/>
+                <a:latin typeface="Times New Roman" panose="02020603050405020304" pitchFamily="18" charset="0"/>
+                <a:cs typeface="Times New Roman" panose="02020603050405020304" pitchFamily="18" charset="0"/>
+              </a:rPr>
+              <a:t>The </a:t>
+            </a:r>
+            <a:r>
+              <a:rPr lang="en-US" dirty="0">
+                <a:solidFill>
+                  <a:sysClr val="windowText" lastClr="000000"/>
+                </a:solidFill>
+                <a:latin typeface="Times New Roman" panose="02020603050405020304" pitchFamily="18" charset="0"/>
+                <a:cs typeface="Times New Roman" panose="02020603050405020304" pitchFamily="18" charset="0"/>
+              </a:rPr>
+              <a:t>n</a:t>
+            </a:r>
+            <a:r>
+              <a:rPr kumimoji="0" lang="en-US" sz="2800" b="0" i="0" u="none" strike="noStrike" kern="1200" cap="none" spc="0" normalizeH="0" baseline="0" noProof="0" dirty="0" err="1">
+                <a:ln>
+                  <a:noFill/>
+                </a:ln>
+                <a:solidFill>
+                  <a:sysClr val="windowText" lastClr="000000"/>
+                </a:solidFill>
+                <a:effectLst/>
+                <a:uLnTx/>
+                <a:uFillTx/>
+                <a:latin typeface="Times New Roman" panose="02020603050405020304" pitchFamily="18" charset="0"/>
+                <a:cs typeface="Times New Roman" panose="02020603050405020304" pitchFamily="18" charset="0"/>
+              </a:rPr>
+              <a:t>umbe</a:t>
+            </a:r>
+            <a:r>
+              <a:rPr lang="en-US" dirty="0">
+                <a:solidFill>
+                  <a:sysClr val="windowText" lastClr="000000"/>
+                </a:solidFill>
+                <a:latin typeface="Times New Roman" panose="02020603050405020304" pitchFamily="18" charset="0"/>
+                <a:cs typeface="Times New Roman" panose="02020603050405020304" pitchFamily="18" charset="0"/>
+              </a:rPr>
+              <a:t>r of rows containing unique video ids: 35,000</a:t>
+            </a:r>
+            <a:endParaRPr kumimoji="0" lang="en-US" sz="2800" b="0" i="0" u="none" strike="noStrike" kern="1200" cap="none" spc="0" normalizeH="0" baseline="0" noProof="0" dirty="0">
+              <a:ln>
+                <a:noFill/>
+              </a:ln>
+              <a:solidFill>
+                <a:sysClr val="windowText" lastClr="000000"/>
+              </a:solidFill>
+              <a:effectLst/>
+              <a:uLnTx/>
+              <a:uFillTx/>
+              <a:latin typeface="Times New Roman" panose="02020603050405020304" pitchFamily="18" charset="0"/>
+              <a:cs typeface="Times New Roman" panose="02020603050405020304" pitchFamily="18" charset="0"/>
+            </a:endParaRPr>
+          </a:p>
+          <a:p>
+            <a:pPr marL="0" marR="0" lvl="0" indent="0" algn="l" defTabSz="914400" rtl="0" eaLnBrk="1" fontAlgn="auto" latinLnBrk="0" hangingPunct="1">
               <a:lnSpc>
                 <a:spcPct val="90000"/>
               </a:lnSpc>
@@ -4888,9 +5851,27 @@
               </a:spcAft>
               <a:buClrTx/>
               <a:buSzTx/>
-              <a:buFont typeface="Arial" panose="020B0604020202020204" pitchFamily="34" charset="0"/>
-              <a:buChar char="•"/>
+              <a:buNone/>
               <a:tabLst/>
+              <a:defRPr/>
+            </a:pPr>
+            <a:endParaRPr kumimoji="0" lang="en-US" sz="2800" b="0" i="0" u="none" strike="noStrike" kern="1200" cap="none" spc="0" normalizeH="0" baseline="0" noProof="0" dirty="0">
+              <a:ln>
+                <a:noFill/>
+              </a:ln>
+              <a:solidFill>
+                <a:sysClr val="windowText" lastClr="000000"/>
+              </a:solidFill>
+              <a:effectLst/>
+              <a:uLnTx/>
+              <a:uFillTx/>
+              <a:latin typeface="Calibri" panose="020F0502020204030204"/>
+              <a:ea typeface="+mn-ea"/>
+              <a:cs typeface="+mn-cs"/>
+            </a:endParaRPr>
+          </a:p>
+          <a:p>
+            <a:pPr>
               <a:defRPr/>
             </a:pPr>
             <a:r>
@@ -4907,11 +5888,18 @@
                 <a:latin typeface="Times New Roman" panose="02020603050405020304" pitchFamily="18" charset="0"/>
                 <a:cs typeface="Times New Roman" panose="02020603050405020304" pitchFamily="18" charset="0"/>
               </a:rPr>
-              <a:t>Data includes the video title, channel title, publish time, tags, views, likes and dislikes, description, and comment count.</a:t>
-            </a:r>
-          </a:p>
-          <a:p>
-            <a:pPr marL="228600" marR="0" lvl="0" indent="-228600" algn="just" defTabSz="914400" rtl="0" eaLnBrk="1" fontAlgn="auto" latinLnBrk="0" hangingPunct="1">
+              <a:t>Source: 2</a:t>
+            </a:r>
+            <a:endParaRPr lang="en-US" dirty="0">
+              <a:solidFill>
+                <a:sysClr val="windowText" lastClr="000000"/>
+              </a:solidFill>
+              <a:latin typeface="Calibri" panose="020F0502020204030204"/>
+              <a:hlinkClick r:id="rId2"/>
+            </a:endParaRPr>
+          </a:p>
+          <a:p>
+            <a:pPr marL="0" marR="0" lvl="0" indent="0" algn="l" defTabSz="914400" rtl="0" eaLnBrk="1" fontAlgn="auto" latinLnBrk="0" hangingPunct="1">
               <a:lnSpc>
                 <a:spcPct val="90000"/>
               </a:lnSpc>
@@ -4923,30 +5911,22 @@
               </a:spcAft>
               <a:buClrTx/>
               <a:buSzTx/>
-              <a:buFont typeface="Arial" panose="020B0604020202020204" pitchFamily="34" charset="0"/>
-              <a:buChar char="•"/>
+              <a:buNone/>
               <a:tabLst/>
               <a:defRPr/>
             </a:pPr>
             <a:r>
-              <a:rPr kumimoji="0" lang="en-US" sz="2800" b="0" i="0" u="none" strike="noStrike" kern="1200" cap="none" spc="0" normalizeH="0" baseline="0" noProof="0" dirty="0">
-                <a:ln>
-                  <a:noFill/>
-                </a:ln>
+              <a:rPr lang="en-US" b="1" u="sng" dirty="0">
                 <a:solidFill>
                   <a:sysClr val="windowText" lastClr="000000"/>
                 </a:solidFill>
-                <a:effectLst/>
-                <a:uLnTx/>
-                <a:uFillTx/>
-                <a:latin typeface="Times New Roman" panose="02020603050405020304" pitchFamily="18" charset="0"/>
-                <a:cs typeface="Times New Roman" panose="02020603050405020304" pitchFamily="18" charset="0"/>
-              </a:rPr>
-              <a:t>This dataset is updated in daily format and we will be using the updated dataset to analyze the most trending video for the day, week, month, or year.</a:t>
-            </a:r>
-          </a:p>
-          <a:p>
-            <a:pPr marL="228600" marR="0" lvl="0" indent="-228600" algn="just" defTabSz="914400" rtl="0" eaLnBrk="1" fontAlgn="auto" latinLnBrk="0" hangingPunct="1">
+                <a:latin typeface="Calibri" panose="020F0502020204030204"/>
+              </a:rPr>
+              <a:t>YOUTUBE API</a:t>
+            </a:r>
+          </a:p>
+          <a:p>
+            <a:pPr marL="0" marR="0" lvl="0" indent="0" algn="l" defTabSz="914400" rtl="0" eaLnBrk="1" fontAlgn="auto" latinLnBrk="0" hangingPunct="1">
               <a:lnSpc>
                 <a:spcPct val="90000"/>
               </a:lnSpc>
@@ -4958,11 +5938,20 @@
               </a:spcAft>
               <a:buClrTx/>
               <a:buSzTx/>
-              <a:buFont typeface="Arial" panose="020B0604020202020204" pitchFamily="34" charset="0"/>
-              <a:buChar char="•"/>
+              <a:buNone/>
               <a:tabLst/>
               <a:defRPr/>
             </a:pPr>
+            <a:r>
+              <a:rPr lang="en-US" dirty="0">
+                <a:solidFill>
+                  <a:sysClr val="windowText" lastClr="000000"/>
+                </a:solidFill>
+                <a:latin typeface="Times New Roman" panose="02020603050405020304" pitchFamily="18" charset="0"/>
+                <a:cs typeface="Times New Roman" panose="02020603050405020304" pitchFamily="18" charset="0"/>
+              </a:rPr>
+              <a:t>Columns: </a:t>
+            </a:r>
             <a:r>
               <a:rPr kumimoji="0" lang="en-US" sz="2800" b="0" i="0" u="none" strike="noStrike" kern="1200" cap="none" spc="0" normalizeH="0" baseline="0" noProof="0" dirty="0">
                 <a:ln>
@@ -4977,8 +5966,39 @@
                 <a:latin typeface="Times New Roman" panose="02020603050405020304" pitchFamily="18" charset="0"/>
                 <a:cs typeface="Times New Roman" panose="02020603050405020304" pitchFamily="18" charset="0"/>
               </a:rPr>
-              <a:t>As the dataset is updated daily, the exact number of rows we will use may vary, but we will use nearly 200,000 lakh rows.</a:t>
-            </a:r>
+              <a:t>Video length, Comments</a:t>
+            </a:r>
+          </a:p>
+          <a:p>
+            <a:pPr marL="0" marR="0" lvl="0" indent="0" algn="l" defTabSz="914400" rtl="0" eaLnBrk="1" fontAlgn="auto" latinLnBrk="0" hangingPunct="1">
+              <a:lnSpc>
+                <a:spcPct val="90000"/>
+              </a:lnSpc>
+              <a:spcBef>
+                <a:spcPts val="1000"/>
+              </a:spcBef>
+              <a:spcAft>
+                <a:spcPts val="0"/>
+              </a:spcAft>
+              <a:buClrTx/>
+              <a:buSzTx/>
+              <a:buNone/>
+              <a:tabLst/>
+              <a:defRPr/>
+            </a:pPr>
+            <a:endParaRPr kumimoji="0" lang="en-US" sz="2800" b="0" i="0" u="none" strike="noStrike" kern="1200" cap="none" spc="0" normalizeH="0" baseline="0" noProof="0" dirty="0">
+              <a:ln>
+                <a:noFill/>
+              </a:ln>
+              <a:solidFill>
+                <a:sysClr val="windowText" lastClr="000000"/>
+              </a:solidFill>
+              <a:effectLst/>
+              <a:uLnTx/>
+              <a:uFillTx/>
+              <a:latin typeface="Times New Roman" panose="02020603050405020304" pitchFamily="18" charset="0"/>
+              <a:cs typeface="Times New Roman" panose="02020603050405020304" pitchFamily="18" charset="0"/>
+            </a:endParaRPr>
           </a:p>
         </p:txBody>
       </p:sp>
@@ -5014,10 +6034,185 @@
       </p:grpSpPr>
       <p:sp>
         <p:nvSpPr>
-          <p:cNvPr id="2" name="TextBox 1">
+          <p:cNvPr id="4" name="Rectangle: Rounded Corners 3">
             <a:extLst>
               <a:ext uri="{FF2B5EF4-FFF2-40B4-BE49-F238E27FC236}">
-                <a16:creationId xmlns:a16="http://schemas.microsoft.com/office/drawing/2014/main" id="{7F653EBA-6762-153F-9C91-0437ABCA139D}"/>
+                <a16:creationId xmlns:a16="http://schemas.microsoft.com/office/drawing/2014/main" id="{062971DE-F29D-0912-A3FB-BF77B0737755}"/>
+              </a:ext>
+            </a:extLst>
+          </p:cNvPr>
+          <p:cNvSpPr/>
+          <p:nvPr/>
+        </p:nvSpPr>
+        <p:spPr>
+          <a:xfrm>
+            <a:off x="745713" y="1274275"/>
+            <a:ext cx="5018730" cy="1870681"/>
+          </a:xfrm>
+          <a:prstGeom prst="roundRect">
+            <a:avLst/>
+          </a:prstGeom>
+        </p:spPr>
+        <p:style>
+          <a:lnRef idx="1">
+            <a:schemeClr val="accent1"/>
+          </a:lnRef>
+          <a:fillRef idx="3">
+            <a:schemeClr val="accent1"/>
+          </a:fillRef>
+          <a:effectRef idx="2">
+            <a:schemeClr val="accent1"/>
+          </a:effectRef>
+          <a:fontRef idx="minor">
+            <a:schemeClr val="lt1"/>
+          </a:fontRef>
+        </p:style>
+        <p:txBody>
+          <a:bodyPr rtlCol="0" anchor="ctr"/>
+          <a:lstStyle/>
+          <a:p>
+            <a:pPr algn="ctr"/>
+            <a:endParaRPr lang="en-US"/>
+          </a:p>
+        </p:txBody>
+      </p:sp>
+      <p:sp>
+        <p:nvSpPr>
+          <p:cNvPr id="5" name="Rectangle: Rounded Corners 4">
+            <a:extLst>
+              <a:ext uri="{FF2B5EF4-FFF2-40B4-BE49-F238E27FC236}">
+                <a16:creationId xmlns:a16="http://schemas.microsoft.com/office/drawing/2014/main" id="{B82A546B-7788-3510-50D1-E400A07240A9}"/>
+              </a:ext>
+            </a:extLst>
+          </p:cNvPr>
+          <p:cNvSpPr/>
+          <p:nvPr/>
+        </p:nvSpPr>
+        <p:spPr>
+          <a:xfrm>
+            <a:off x="6427558" y="1319250"/>
+            <a:ext cx="5018730" cy="1870681"/>
+          </a:xfrm>
+          <a:prstGeom prst="roundRect">
+            <a:avLst/>
+          </a:prstGeom>
+        </p:spPr>
+        <p:style>
+          <a:lnRef idx="1">
+            <a:schemeClr val="accent1"/>
+          </a:lnRef>
+          <a:fillRef idx="3">
+            <a:schemeClr val="accent1"/>
+          </a:fillRef>
+          <a:effectRef idx="2">
+            <a:schemeClr val="accent1"/>
+          </a:effectRef>
+          <a:fontRef idx="minor">
+            <a:schemeClr val="lt1"/>
+          </a:fontRef>
+        </p:style>
+        <p:txBody>
+          <a:bodyPr rtlCol="0" anchor="ctr"/>
+          <a:lstStyle/>
+          <a:p>
+            <a:pPr algn="ctr"/>
+            <a:endParaRPr lang="en-US" dirty="0"/>
+          </a:p>
+        </p:txBody>
+      </p:sp>
+      <p:sp>
+        <p:nvSpPr>
+          <p:cNvPr id="7" name="Rectangle: Rounded Corners 6">
+            <a:extLst>
+              <a:ext uri="{FF2B5EF4-FFF2-40B4-BE49-F238E27FC236}">
+                <a16:creationId xmlns:a16="http://schemas.microsoft.com/office/drawing/2014/main" id="{D24E678D-944F-BEF7-1843-A0B613A5F49E}"/>
+              </a:ext>
+            </a:extLst>
+          </p:cNvPr>
+          <p:cNvSpPr/>
+          <p:nvPr/>
+        </p:nvSpPr>
+        <p:spPr>
+          <a:xfrm>
+            <a:off x="3200401" y="4464316"/>
+            <a:ext cx="5018730" cy="1870681"/>
+          </a:xfrm>
+          <a:prstGeom prst="roundRect">
+            <a:avLst/>
+          </a:prstGeom>
+        </p:spPr>
+        <p:style>
+          <a:lnRef idx="1">
+            <a:schemeClr val="accent1"/>
+          </a:lnRef>
+          <a:fillRef idx="3">
+            <a:schemeClr val="accent1"/>
+          </a:fillRef>
+          <a:effectRef idx="2">
+            <a:schemeClr val="accent1"/>
+          </a:effectRef>
+          <a:fontRef idx="minor">
+            <a:schemeClr val="lt1"/>
+          </a:fontRef>
+        </p:style>
+        <p:txBody>
+          <a:bodyPr rtlCol="0" anchor="ctr"/>
+          <a:lstStyle/>
+          <a:p>
+            <a:pPr algn="ctr"/>
+            <a:endParaRPr lang="en-US"/>
+          </a:p>
+        </p:txBody>
+      </p:sp>
+      <p:cxnSp>
+        <p:nvCxnSpPr>
+          <p:cNvPr id="9" name="Connector: Elbow 8">
+            <a:extLst>
+              <a:ext uri="{FF2B5EF4-FFF2-40B4-BE49-F238E27FC236}">
+                <a16:creationId xmlns:a16="http://schemas.microsoft.com/office/drawing/2014/main" id="{D4105972-9121-8CD3-4FAE-46E8B8E28935}"/>
+              </a:ext>
+            </a:extLst>
+          </p:cNvPr>
+          <p:cNvCxnSpPr>
+            <a:cxnSpLocks/>
+            <a:stCxn id="4" idx="2"/>
+            <a:endCxn id="7" idx="0"/>
+          </p:cNvCxnSpPr>
+          <p:nvPr/>
+        </p:nvCxnSpPr>
+        <p:spPr>
+          <a:xfrm rot="16200000" flipH="1">
+            <a:off x="3822742" y="2577292"/>
+            <a:ext cx="1319360" cy="2454688"/>
+          </a:xfrm>
+          <a:prstGeom prst="bentConnector3">
+            <a:avLst/>
+          </a:prstGeom>
+          <a:ln>
+            <a:tailEnd type="triangle"/>
+          </a:ln>
+        </p:spPr>
+        <p:style>
+          <a:lnRef idx="2">
+            <a:schemeClr val="accent1"/>
+          </a:lnRef>
+          <a:fillRef idx="0">
+            <a:schemeClr val="accent1"/>
+          </a:fillRef>
+          <a:effectRef idx="1">
+            <a:schemeClr val="accent1"/>
+          </a:effectRef>
+          <a:fontRef idx="minor">
+            <a:schemeClr val="tx1"/>
+          </a:fontRef>
+        </p:style>
+      </p:cxnSp>
+      <p:sp>
+        <p:nvSpPr>
+          <p:cNvPr id="15" name="TextBox 14">
+            <a:extLst>
+              <a:ext uri="{FF2B5EF4-FFF2-40B4-BE49-F238E27FC236}">
+                <a16:creationId xmlns:a16="http://schemas.microsoft.com/office/drawing/2014/main" id="{A2929737-000A-BF85-8C1D-D954DC44B778}"/>
               </a:ext>
             </a:extLst>
           </p:cNvPr>
@@ -5025,9 +6220,9 @@
           <p:nvPr/>
         </p:nvSpPr>
         <p:spPr>
-          <a:xfrm>
-            <a:off x="782541" y="1674673"/>
-            <a:ext cx="10626918" cy="3508653"/>
+          <a:xfrm flipH="1">
+            <a:off x="2007277" y="1905990"/>
+            <a:ext cx="2677538" cy="523220"/>
           </a:xfrm>
           <a:prstGeom prst="rect">
             <a:avLst/>
@@ -5041,288 +6236,66 @@
           <a:lstStyle/>
           <a:p>
             <a:r>
-              <a:rPr lang="en-US" dirty="0">
-                <a:latin typeface="Times New Roman" panose="02020603050405020304" pitchFamily="18" charset="0"/>
-                <a:cs typeface="Times New Roman" panose="02020603050405020304" pitchFamily="18" charset="0"/>
-              </a:rPr>
-              <a:t>[1] </a:t>
-            </a:r>
-            <a:r>
-              <a:rPr lang="en-US" sz="1800" dirty="0" err="1">
-                <a:latin typeface="Times New Roman" panose="02020603050405020304" pitchFamily="18" charset="0"/>
-                <a:cs typeface="Times New Roman" panose="02020603050405020304" pitchFamily="18" charset="0"/>
-              </a:rPr>
-              <a:t>Youtube</a:t>
-            </a:r>
-            <a:r>
-              <a:rPr lang="en-US" sz="1800" dirty="0">
-                <a:latin typeface="Times New Roman" panose="02020603050405020304" pitchFamily="18" charset="0"/>
-                <a:cs typeface="Times New Roman" panose="02020603050405020304" pitchFamily="18" charset="0"/>
-              </a:rPr>
-              <a:t> Trending Video analysis by Dublin School, </a:t>
-            </a:r>
-            <a:r>
-              <a:rPr lang="en-US" b="0" dirty="0" err="1">
-                <a:solidFill>
-                  <a:srgbClr val="333333"/>
-                </a:solidFill>
-                <a:effectLst/>
-                <a:latin typeface="Times New Roman" panose="02020603050405020304" pitchFamily="18" charset="0"/>
-                <a:cs typeface="Times New Roman" panose="02020603050405020304" pitchFamily="18" charset="0"/>
-              </a:rPr>
-              <a:t>Niture</a:t>
-            </a:r>
-            <a:r>
-              <a:rPr lang="en-US" b="0" dirty="0">
-                <a:solidFill>
-                  <a:srgbClr val="333333"/>
-                </a:solidFill>
-                <a:effectLst/>
-                <a:latin typeface="Times New Roman" panose="02020603050405020304" pitchFamily="18" charset="0"/>
-                <a:cs typeface="Times New Roman" panose="02020603050405020304" pitchFamily="18" charset="0"/>
-              </a:rPr>
-              <a:t>, Aakash Ashok, January 11th, 2021</a:t>
-            </a:r>
-            <a:endParaRPr lang="en-US" sz="1800" dirty="0">
-              <a:latin typeface="Times New Roman" panose="02020603050405020304" pitchFamily="18" charset="0"/>
-              <a:cs typeface="Times New Roman" panose="02020603050405020304" pitchFamily="18" charset="0"/>
-            </a:endParaRPr>
-          </a:p>
-          <a:p>
-            <a:r>
-              <a:rPr lang="en-US" dirty="0">
-                <a:latin typeface="Times New Roman" panose="02020603050405020304" pitchFamily="18" charset="0"/>
-                <a:cs typeface="Times New Roman" panose="02020603050405020304" pitchFamily="18" charset="0"/>
-                <a:hlinkClick r:id="rId2"/>
-              </a:rPr>
-              <a:t>https://esource.dbs.ie/handle/10788/4260</a:t>
-            </a:r>
-            <a:endParaRPr lang="en-US" dirty="0">
-              <a:latin typeface="Times New Roman" panose="02020603050405020304" pitchFamily="18" charset="0"/>
-              <a:cs typeface="Times New Roman" panose="02020603050405020304" pitchFamily="18" charset="0"/>
-            </a:endParaRPr>
-          </a:p>
-          <a:p>
-            <a:endParaRPr lang="en-US" dirty="0">
-              <a:latin typeface="Times New Roman" panose="02020603050405020304" pitchFamily="18" charset="0"/>
-              <a:cs typeface="Times New Roman" panose="02020603050405020304" pitchFamily="18" charset="0"/>
-            </a:endParaRPr>
-          </a:p>
-          <a:p>
-            <a:pPr algn="l"/>
-            <a:r>
-              <a:rPr lang="en-US" dirty="0">
-                <a:latin typeface="Times New Roman" panose="02020603050405020304" pitchFamily="18" charset="0"/>
-                <a:cs typeface="Times New Roman" panose="02020603050405020304" pitchFamily="18" charset="0"/>
-              </a:rPr>
-              <a:t>[2]</a:t>
-            </a:r>
-            <a:r>
-              <a:rPr lang="en-US" b="0" i="0" dirty="0">
-                <a:solidFill>
-                  <a:srgbClr val="111111"/>
-                </a:solidFill>
-                <a:effectLst/>
-                <a:latin typeface="Times New Roman" panose="02020603050405020304" pitchFamily="18" charset="0"/>
-                <a:cs typeface="Times New Roman" panose="02020603050405020304" pitchFamily="18" charset="0"/>
-              </a:rPr>
-              <a:t> Identifying Latent Toxic Features on YouTube Using Non-negative Matrix Factorization, </a:t>
-            </a:r>
-            <a:r>
-              <a:rPr lang="en-US" b="0" i="0" dirty="0">
-                <a:solidFill>
-                  <a:srgbClr val="000000"/>
-                </a:solidFill>
-                <a:effectLst/>
-                <a:latin typeface="Times New Roman" panose="02020603050405020304" pitchFamily="18" charset="0"/>
-                <a:cs typeface="Times New Roman" panose="02020603050405020304" pitchFamily="18" charset="0"/>
-              </a:rPr>
-              <a:t>Adewale </a:t>
-            </a:r>
-            <a:r>
-              <a:rPr lang="en-US" b="0" i="0" dirty="0" err="1">
-                <a:solidFill>
-                  <a:srgbClr val="000000"/>
-                </a:solidFill>
-                <a:effectLst/>
-                <a:latin typeface="Times New Roman" panose="02020603050405020304" pitchFamily="18" charset="0"/>
-                <a:cs typeface="Times New Roman" panose="02020603050405020304" pitchFamily="18" charset="0"/>
-              </a:rPr>
-              <a:t>Obadimu</a:t>
-            </a:r>
-            <a:r>
-              <a:rPr lang="en-US" dirty="0">
-                <a:solidFill>
-                  <a:srgbClr val="000000"/>
-                </a:solidFill>
-                <a:latin typeface="Times New Roman" panose="02020603050405020304" pitchFamily="18" charset="0"/>
-                <a:cs typeface="Times New Roman" panose="02020603050405020304" pitchFamily="18" charset="0"/>
-              </a:rPr>
-              <a:t>, </a:t>
-            </a:r>
-            <a:r>
-              <a:rPr lang="en-US" b="0" i="0" dirty="0">
-                <a:solidFill>
-                  <a:srgbClr val="000000"/>
-                </a:solidFill>
-                <a:effectLst/>
-                <a:latin typeface="Times New Roman" panose="02020603050405020304" pitchFamily="18" charset="0"/>
-                <a:cs typeface="Times New Roman" panose="02020603050405020304" pitchFamily="18" charset="0"/>
-              </a:rPr>
-              <a:t>Esther Mead, Nitin Agarwal, October 2021</a:t>
-            </a:r>
-          </a:p>
-          <a:p>
-            <a:r>
-              <a:rPr lang="en-US" dirty="0">
-                <a:latin typeface="Times New Roman" panose="02020603050405020304" pitchFamily="18" charset="0"/>
-                <a:cs typeface="Times New Roman" panose="02020603050405020304" pitchFamily="18" charset="0"/>
-                <a:hlinkClick r:id="rId3"/>
-              </a:rPr>
-              <a:t>https://www.researchgate.net/publication/336568016_Identifying_Latent_Toxic_Features_on_YouTube_Using_Non-negative_Matrix_Factorization</a:t>
-            </a:r>
-            <a:endParaRPr lang="en-US" dirty="0">
-              <a:latin typeface="Times New Roman" panose="02020603050405020304" pitchFamily="18" charset="0"/>
-              <a:cs typeface="Times New Roman" panose="02020603050405020304" pitchFamily="18" charset="0"/>
-            </a:endParaRPr>
-          </a:p>
-          <a:p>
-            <a:endParaRPr lang="en-US" dirty="0">
-              <a:latin typeface="Times New Roman" panose="02020603050405020304" pitchFamily="18" charset="0"/>
-              <a:cs typeface="Times New Roman" panose="02020603050405020304" pitchFamily="18" charset="0"/>
-            </a:endParaRPr>
-          </a:p>
-          <a:p>
-            <a:r>
-              <a:rPr lang="en-US" dirty="0">
-                <a:latin typeface="Times New Roman" panose="02020603050405020304" pitchFamily="18" charset="0"/>
-                <a:cs typeface="Times New Roman" panose="02020603050405020304" pitchFamily="18" charset="0"/>
-              </a:rPr>
-              <a:t>[3] </a:t>
-            </a:r>
-            <a:r>
-              <a:rPr lang="en-US" dirty="0">
-                <a:effectLst/>
-                <a:latin typeface="Times New Roman" panose="02020603050405020304" pitchFamily="18" charset="0"/>
-                <a:cs typeface="Times New Roman" panose="02020603050405020304" pitchFamily="18" charset="0"/>
-              </a:rPr>
-              <a:t>Trending YouTube Video Analysis, MD </a:t>
-            </a:r>
-            <a:r>
-              <a:rPr lang="en-US" dirty="0" err="1">
-                <a:effectLst/>
-                <a:latin typeface="Times New Roman" panose="02020603050405020304" pitchFamily="18" charset="0"/>
-                <a:cs typeface="Times New Roman" panose="02020603050405020304" pitchFamily="18" charset="0"/>
-              </a:rPr>
-              <a:t>Sakibur</a:t>
-            </a:r>
-            <a:r>
-              <a:rPr lang="en-US" dirty="0">
-                <a:effectLst/>
-                <a:latin typeface="Times New Roman" panose="02020603050405020304" pitchFamily="18" charset="0"/>
-                <a:cs typeface="Times New Roman" panose="02020603050405020304" pitchFamily="18" charset="0"/>
-              </a:rPr>
-              <a:t> Hasan, </a:t>
-            </a:r>
-            <a:r>
-              <a:rPr lang="en-US" dirty="0" err="1">
-                <a:effectLst/>
-                <a:latin typeface="Times New Roman" panose="02020603050405020304" pitchFamily="18" charset="0"/>
-                <a:cs typeface="Times New Roman" panose="02020603050405020304" pitchFamily="18" charset="0"/>
-              </a:rPr>
-              <a:t>Bishal</a:t>
-            </a:r>
-            <a:r>
-              <a:rPr lang="en-US" dirty="0">
-                <a:effectLst/>
-                <a:latin typeface="Times New Roman" panose="02020603050405020304" pitchFamily="18" charset="0"/>
-                <a:cs typeface="Times New Roman" panose="02020603050405020304" pitchFamily="18" charset="0"/>
-              </a:rPr>
-              <a:t> </a:t>
-            </a:r>
-            <a:r>
-              <a:rPr lang="en-US" dirty="0" err="1">
-                <a:effectLst/>
-                <a:latin typeface="Times New Roman" panose="02020603050405020304" pitchFamily="18" charset="0"/>
-                <a:cs typeface="Times New Roman" panose="02020603050405020304" pitchFamily="18" charset="0"/>
-              </a:rPr>
-              <a:t>Sarker</a:t>
-            </a:r>
-            <a:r>
-              <a:rPr lang="en-US" dirty="0">
-                <a:latin typeface="Times New Roman" panose="02020603050405020304" pitchFamily="18" charset="0"/>
-                <a:cs typeface="Times New Roman" panose="02020603050405020304" pitchFamily="18" charset="0"/>
-              </a:rPr>
-              <a:t>, </a:t>
-            </a:r>
-            <a:r>
-              <a:rPr lang="en-US" dirty="0">
-                <a:effectLst/>
-                <a:latin typeface="Times New Roman" panose="02020603050405020304" pitchFamily="18" charset="0"/>
-                <a:cs typeface="Times New Roman" panose="02020603050405020304" pitchFamily="18" charset="0"/>
-              </a:rPr>
-              <a:t>Diksha Shrestha, Roshan Shrestha, </a:t>
-            </a:r>
-            <a:r>
-              <a:rPr lang="en-US" dirty="0" err="1">
-                <a:effectLst/>
-                <a:latin typeface="Times New Roman" panose="02020603050405020304" pitchFamily="18" charset="0"/>
-                <a:cs typeface="Times New Roman" panose="02020603050405020304" pitchFamily="18" charset="0"/>
-              </a:rPr>
-              <a:t>Sajal</a:t>
-            </a:r>
-            <a:r>
-              <a:rPr lang="en-US" dirty="0">
-                <a:effectLst/>
-                <a:latin typeface="Times New Roman" panose="02020603050405020304" pitchFamily="18" charset="0"/>
-                <a:cs typeface="Times New Roman" panose="02020603050405020304" pitchFamily="18" charset="0"/>
-              </a:rPr>
-              <a:t> N. Shrestha, </a:t>
-            </a:r>
-            <a:r>
-              <a:rPr lang="en-US" dirty="0">
-                <a:solidFill>
-                  <a:srgbClr val="494949"/>
-                </a:solidFill>
-                <a:effectLst/>
-                <a:latin typeface="Times New Roman" panose="02020603050405020304" pitchFamily="18" charset="0"/>
-                <a:cs typeface="Times New Roman" panose="02020603050405020304" pitchFamily="18" charset="0"/>
-              </a:rPr>
-              <a:t>February 7th, 2023</a:t>
-            </a:r>
-            <a:endParaRPr lang="en-US" dirty="0">
-              <a:latin typeface="Times New Roman" panose="02020603050405020304" pitchFamily="18" charset="0"/>
-              <a:cs typeface="Times New Roman" panose="02020603050405020304" pitchFamily="18" charset="0"/>
-            </a:endParaRPr>
-          </a:p>
-          <a:p>
-            <a:r>
-              <a:rPr lang="en-US" dirty="0">
-                <a:latin typeface="Times New Roman" panose="02020603050405020304" pitchFamily="18" charset="0"/>
-                <a:cs typeface="Times New Roman" panose="02020603050405020304" pitchFamily="18" charset="0"/>
-                <a:hlinkClick r:id="rId4"/>
-              </a:rPr>
-              <a:t>https://www.researchsquare.com/article/rs-2548456/v1</a:t>
-            </a:r>
-            <a:endParaRPr lang="en-US" dirty="0">
-              <a:latin typeface="Times New Roman" panose="02020603050405020304" pitchFamily="18" charset="0"/>
-              <a:cs typeface="Times New Roman" panose="02020603050405020304" pitchFamily="18" charset="0"/>
-            </a:endParaRPr>
-          </a:p>
-          <a:p>
-            <a:endParaRPr lang="en-US" sz="2400" dirty="0">
-              <a:latin typeface="Times New Roman" panose="02020603050405020304" pitchFamily="18" charset="0"/>
-              <a:cs typeface="Times New Roman" panose="02020603050405020304" pitchFamily="18" charset="0"/>
-            </a:endParaRPr>
+              <a:rPr lang="en-US" sz="2800" dirty="0">
+                <a:solidFill>
+                  <a:schemeClr val="tx2">
+                    <a:lumMod val="75000"/>
+                  </a:schemeClr>
+                </a:solidFill>
+              </a:rPr>
+              <a:t>Kaggle Dataset</a:t>
+            </a:r>
           </a:p>
         </p:txBody>
       </p:sp>
+      <p:cxnSp>
+        <p:nvCxnSpPr>
+          <p:cNvPr id="17" name="Connector: Elbow 16">
+            <a:extLst>
+              <a:ext uri="{FF2B5EF4-FFF2-40B4-BE49-F238E27FC236}">
+                <a16:creationId xmlns:a16="http://schemas.microsoft.com/office/drawing/2014/main" id="{60FF1BC1-A38D-4D6D-8E64-46F720CBEB22}"/>
+              </a:ext>
+            </a:extLst>
+          </p:cNvPr>
+          <p:cNvCxnSpPr>
+            <a:stCxn id="5" idx="2"/>
+            <a:endCxn id="7" idx="0"/>
+          </p:cNvCxnSpPr>
+          <p:nvPr/>
+        </p:nvCxnSpPr>
+        <p:spPr>
+          <a:xfrm rot="5400000">
+            <a:off x="6686153" y="2213545"/>
+            <a:ext cx="1274385" cy="3227157"/>
+          </a:xfrm>
+          <a:prstGeom prst="bentConnector3">
+            <a:avLst/>
+          </a:prstGeom>
+          <a:ln>
+            <a:tailEnd type="triangle"/>
+          </a:ln>
+        </p:spPr>
+        <p:style>
+          <a:lnRef idx="2">
+            <a:schemeClr val="accent1"/>
+          </a:lnRef>
+          <a:fillRef idx="0">
+            <a:schemeClr val="accent1"/>
+          </a:fillRef>
+          <a:effectRef idx="1">
+            <a:schemeClr val="accent1"/>
+          </a:effectRef>
+          <a:fontRef idx="minor">
+            <a:schemeClr val="tx1"/>
+          </a:fontRef>
+        </p:style>
+      </p:cxnSp>
       <p:sp>
         <p:nvSpPr>
-          <p:cNvPr id="3" name="TextBox 2">
+          <p:cNvPr id="22" name="TextBox 21">
             <a:extLst>
               <a:ext uri="{FF2B5EF4-FFF2-40B4-BE49-F238E27FC236}">
-                <a16:creationId xmlns:a16="http://schemas.microsoft.com/office/drawing/2014/main" id="{422D0454-3E73-281E-E8EA-5CCE560643A2}"/>
+                <a16:creationId xmlns:a16="http://schemas.microsoft.com/office/drawing/2014/main" id="{8FC4E9C3-2373-D72B-3F2A-8B5E784E5AE8}"/>
               </a:ext>
             </a:extLst>
           </p:cNvPr>
@@ -5330,9 +6303,9 @@
           <p:nvPr/>
         </p:nvSpPr>
         <p:spPr>
-          <a:xfrm>
-            <a:off x="782541" y="840685"/>
-            <a:ext cx="3729162" cy="707886"/>
+          <a:xfrm flipH="1">
+            <a:off x="7812332" y="1948005"/>
+            <a:ext cx="2677538" cy="523220"/>
           </a:xfrm>
           <a:prstGeom prst="rect">
             <a:avLst/>
@@ -5346,11 +6319,65 @@
           <a:lstStyle/>
           <a:p>
             <a:r>
-              <a:rPr lang="en-US" sz="4000" dirty="0">
-                <a:latin typeface="Times New Roman" panose="02020603050405020304" pitchFamily="18" charset="0"/>
-                <a:cs typeface="Times New Roman" panose="02020603050405020304" pitchFamily="18" charset="0"/>
-              </a:rPr>
-              <a:t>References</a:t>
+              <a:rPr lang="en-US" sz="2800" dirty="0" err="1">
+                <a:solidFill>
+                  <a:schemeClr val="tx2">
+                    <a:lumMod val="75000"/>
+                  </a:schemeClr>
+                </a:solidFill>
+              </a:rPr>
+              <a:t>Youtube</a:t>
+            </a:r>
+            <a:r>
+              <a:rPr lang="en-US" sz="2800" dirty="0">
+                <a:solidFill>
+                  <a:schemeClr val="tx2">
+                    <a:lumMod val="75000"/>
+                  </a:schemeClr>
+                </a:solidFill>
+              </a:rPr>
+              <a:t> API</a:t>
+            </a:r>
+          </a:p>
+        </p:txBody>
+      </p:sp>
+      <p:sp>
+        <p:nvSpPr>
+          <p:cNvPr id="23" name="TextBox 22">
+            <a:extLst>
+              <a:ext uri="{FF2B5EF4-FFF2-40B4-BE49-F238E27FC236}">
+                <a16:creationId xmlns:a16="http://schemas.microsoft.com/office/drawing/2014/main" id="{A5F6EFED-B0EE-7397-061B-4B8A81526932}"/>
+              </a:ext>
+            </a:extLst>
+          </p:cNvPr>
+          <p:cNvSpPr txBox="1"/>
+          <p:nvPr/>
+        </p:nvSpPr>
+        <p:spPr>
+          <a:xfrm flipH="1">
+            <a:off x="4431612" y="5215481"/>
+            <a:ext cx="2677538" cy="523220"/>
+          </a:xfrm>
+          <a:prstGeom prst="rect">
+            <a:avLst/>
+          </a:prstGeom>
+          <a:noFill/>
+        </p:spPr>
+        <p:txBody>
+          <a:bodyPr wrap="square" rtlCol="0">
+            <a:spAutoFit/>
+          </a:bodyPr>
+          <a:lstStyle/>
+          <a:p>
+            <a:r>
+              <a:rPr lang="en-US" sz="2800" dirty="0">
+                <a:solidFill>
+                  <a:schemeClr val="tx2">
+                    <a:lumMod val="75000"/>
+                  </a:schemeClr>
+                </a:solidFill>
+              </a:rPr>
+              <a:t>Final Dataset</a:t>
             </a:r>
           </a:p>
         </p:txBody>
@@ -5358,7 +6385,7 @@
     </p:spTree>
     <p:extLst>
       <p:ext uri="{BB962C8B-B14F-4D97-AF65-F5344CB8AC3E}">
-        <p14:creationId xmlns:p14="http://schemas.microsoft.com/office/powerpoint/2010/main" val="2829910102"/>
+        <p14:creationId xmlns:p14="http://schemas.microsoft.com/office/powerpoint/2010/main" val="4155209525"/>
       </p:ext>
     </p:extLst>
   </p:cSld>
@@ -5390,7 +6417,7 @@
           <p:cNvPr id="2" name="Title 1">
             <a:extLst>
               <a:ext uri="{FF2B5EF4-FFF2-40B4-BE49-F238E27FC236}">
-                <a16:creationId xmlns:a16="http://schemas.microsoft.com/office/drawing/2014/main" id="{AE9E9925-52C6-CC90-DC1F-37D59C3E61CE}"/>
+                <a16:creationId xmlns:a16="http://schemas.microsoft.com/office/drawing/2014/main" id="{05F09F59-5D2A-AEAF-8CE1-62BD5AF03325}"/>
               </a:ext>
             </a:extLst>
           </p:cNvPr>
@@ -5403,45 +6430,81 @@
         </p:nvSpPr>
         <p:spPr/>
         <p:txBody>
-          <a:bodyPr/>
+          <a:bodyPr>
+            <a:normAutofit fontScale="90000"/>
+          </a:bodyPr>
           <a:lstStyle/>
           <a:p>
-            <a:endParaRPr lang="en-US"/>
+            <a:r>
+              <a:rPr lang="en-US" dirty="0" err="1"/>
+              <a:t>Dataframe</a:t>
+            </a:r>
+            <a:endParaRPr lang="en-US" dirty="0"/>
           </a:p>
         </p:txBody>
       </p:sp>
-      <p:sp>
-        <p:nvSpPr>
-          <p:cNvPr id="3" name="Content Placeholder 2">
+      <p:pic>
+        <p:nvPicPr>
+          <p:cNvPr id="5" name="Content Placeholder 4">
             <a:extLst>
               <a:ext uri="{FF2B5EF4-FFF2-40B4-BE49-F238E27FC236}">
-                <a16:creationId xmlns:a16="http://schemas.microsoft.com/office/drawing/2014/main" id="{4E6B307D-A135-971F-E088-3BA62CF1D054}"/>
+                <a16:creationId xmlns:a16="http://schemas.microsoft.com/office/drawing/2014/main" id="{D3740BC6-B107-1EAE-E93B-499A9AEF9304}"/>
               </a:ext>
             </a:extLst>
           </p:cNvPr>
-          <p:cNvSpPr>
-            <a:spLocks noGrp="1"/>
-          </p:cNvSpPr>
+          <p:cNvPicPr>
+            <a:picLocks noGrp="1" noChangeAspect="1"/>
+          </p:cNvPicPr>
           <p:nvPr>
             <p:ph idx="1"/>
           </p:nvPr>
-        </p:nvSpPr>
-        <p:spPr/>
-        <p:txBody>
-          <a:bodyPr/>
-          <a:lstStyle/>
-          <a:p>
-            <a:r>
-              <a:rPr lang="en-US" dirty="0"/>
-              <a:t>Thank You</a:t>
-            </a:r>
-          </a:p>
-        </p:txBody>
-      </p:sp>
+        </p:nvPicPr>
+        <p:blipFill>
+          <a:blip r:embed="rId2"/>
+          <a:stretch>
+            <a:fillRect/>
+          </a:stretch>
+        </p:blipFill>
+        <p:spPr>
+          <a:xfrm>
+            <a:off x="529728" y="2042933"/>
+            <a:ext cx="5449653" cy="3979863"/>
+          </a:xfrm>
+        </p:spPr>
+      </p:pic>
+      <p:pic>
+        <p:nvPicPr>
+          <p:cNvPr id="7" name="Picture 6">
+            <a:extLst>
+              <a:ext uri="{FF2B5EF4-FFF2-40B4-BE49-F238E27FC236}">
+                <a16:creationId xmlns:a16="http://schemas.microsoft.com/office/drawing/2014/main" id="{5AA3DD4D-497B-3088-4DF4-13FCEBE0B9DD}"/>
+              </a:ext>
+            </a:extLst>
+          </p:cNvPr>
+          <p:cNvPicPr>
+            <a:picLocks noChangeAspect="1"/>
+          </p:cNvPicPr>
+          <p:nvPr/>
+        </p:nvPicPr>
+        <p:blipFill rotWithShape="1">
+          <a:blip r:embed="rId3"/>
+          <a:srcRect b="255"/>
+          <a:stretch/>
+        </p:blipFill>
+        <p:spPr>
+          <a:xfrm>
+            <a:off x="5979381" y="2138901"/>
+            <a:ext cx="5618593" cy="3883895"/>
+          </a:xfrm>
+          <a:prstGeom prst="rect">
+            <a:avLst/>
+          </a:prstGeom>
+        </p:spPr>
+      </p:pic>
     </p:spTree>
     <p:extLst>
       <p:ext uri="{BB962C8B-B14F-4D97-AF65-F5344CB8AC3E}">
-        <p14:creationId xmlns:p14="http://schemas.microsoft.com/office/powerpoint/2010/main" val="2600699124"/>
+        <p14:creationId xmlns:p14="http://schemas.microsoft.com/office/powerpoint/2010/main" val="4263053786"/>
       </p:ext>
     </p:extLst>
   </p:cSld>
